--- a/工作日報_葉柏漢/2021.10/2021.10.22(加班)_2021.10.25工作日報_葉柏漢 - 複製.pptx
+++ b/工作日報_葉柏漢/2021.10/2021.10.22(加班)_2021.10.25工作日報_葉柏漢 - 複製.pptx
@@ -6,17 +6,13 @@
     <p:sldMasterId id="2147483660" r:id="rId2"/>
   </p:sldMasterIdLst>
   <p:notesMasterIdLst>
-    <p:notesMasterId r:id="rId11"/>
+    <p:notesMasterId r:id="rId7"/>
   </p:notesMasterIdLst>
   <p:sldIdLst>
     <p:sldId id="256" r:id="rId3"/>
     <p:sldId id="260" r:id="rId4"/>
     <p:sldId id="285" r:id="rId5"/>
-    <p:sldId id="286" r:id="rId6"/>
-    <p:sldId id="287" r:id="rId7"/>
-    <p:sldId id="288" r:id="rId8"/>
-    <p:sldId id="289" r:id="rId9"/>
-    <p:sldId id="280" r:id="rId10"/>
+    <p:sldId id="280" r:id="rId6"/>
   </p:sldIdLst>
   <p:sldSz cx="12192000" cy="6858000"/>
   <p:notesSz cx="6858000" cy="9144000"/>
@@ -117,7 +113,7 @@
   </p:defaultTextStyle>
   <p:extLst>
     <p:ext uri="{EFAFB233-063F-42B5-8137-9DF3F51BA10A}">
-      <p15:sldGuideLst xmlns="" xmlns:p15="http://schemas.microsoft.com/office/powerpoint/2012/main">
+      <p15:sldGuideLst xmlns:p15="http://schemas.microsoft.com/office/powerpoint/2012/main" xmlns="">
         <p15:guide id="1" orient="horz" pos="2160" userDrawn="1">
           <p15:clr>
             <a:srgbClr val="A4A3A4"/>
@@ -550,342 +546,6 @@
             <a:fld id="{4D710183-7E5D-4282-9F1A-D4A1D08A6C67}" type="slidenum">
               <a:rPr lang="zh-CN" altLang="en-US" smtClean="0"/>
               <a:t>3</a:t>
-            </a:fld>
-            <a:endParaRPr lang="zh-CN" altLang="en-US"/>
-          </a:p>
-        </p:txBody>
-      </p:sp>
-    </p:spTree>
-    <p:extLst>
-      <p:ext uri="{BB962C8B-B14F-4D97-AF65-F5344CB8AC3E}">
-        <p14:creationId xmlns:p14="http://schemas.microsoft.com/office/powerpoint/2010/main" val="878027849"/>
-      </p:ext>
-    </p:extLst>
-  </p:cSld>
-  <p:clrMapOvr>
-    <a:masterClrMapping/>
-  </p:clrMapOvr>
-</p:notes>
-</file>
-
-<file path=ppt/notesSlides/notesSlide2.xml><?xml version="1.0" encoding="utf-8"?>
-<p:notes xmlns:a="http://schemas.openxmlformats.org/drawingml/2006/main" xmlns:r="http://schemas.openxmlformats.org/officeDocument/2006/relationships" xmlns:p="http://schemas.openxmlformats.org/presentationml/2006/main">
-  <p:cSld>
-    <p:spTree>
-      <p:nvGrpSpPr>
-        <p:cNvPr id="1" name=""/>
-        <p:cNvGrpSpPr/>
-        <p:nvPr/>
-      </p:nvGrpSpPr>
-      <p:grpSpPr>
-        <a:xfrm>
-          <a:off x="0" y="0"/>
-          <a:ext cx="0" cy="0"/>
-          <a:chOff x="0" y="0"/>
-          <a:chExt cx="0" cy="0"/>
-        </a:xfrm>
-      </p:grpSpPr>
-      <p:sp>
-        <p:nvSpPr>
-          <p:cNvPr id="2" name="投影片圖像版面配置區 1"/>
-          <p:cNvSpPr>
-            <a:spLocks noGrp="1" noRot="1" noChangeAspect="1"/>
-          </p:cNvSpPr>
-          <p:nvPr>
-            <p:ph type="sldImg"/>
-          </p:nvPr>
-        </p:nvSpPr>
-        <p:spPr/>
-      </p:sp>
-      <p:sp>
-        <p:nvSpPr>
-          <p:cNvPr id="3" name="備忘稿版面配置區 2"/>
-          <p:cNvSpPr>
-            <a:spLocks noGrp="1"/>
-          </p:cNvSpPr>
-          <p:nvPr>
-            <p:ph type="body" idx="1"/>
-          </p:nvPr>
-        </p:nvSpPr>
-        <p:spPr/>
-        <p:txBody>
-          <a:bodyPr/>
-          <a:lstStyle/>
-          <a:p>
-            <a:endParaRPr lang="zh-TW" altLang="en-US" dirty="0"/>
-          </a:p>
-        </p:txBody>
-      </p:sp>
-      <p:sp>
-        <p:nvSpPr>
-          <p:cNvPr id="4" name="投影片編號版面配置區 3"/>
-          <p:cNvSpPr>
-            <a:spLocks noGrp="1"/>
-          </p:cNvSpPr>
-          <p:nvPr>
-            <p:ph type="sldNum" sz="quarter" idx="10"/>
-          </p:nvPr>
-        </p:nvSpPr>
-        <p:spPr/>
-        <p:txBody>
-          <a:bodyPr/>
-          <a:lstStyle/>
-          <a:p>
-            <a:fld id="{4D710183-7E5D-4282-9F1A-D4A1D08A6C67}" type="slidenum">
-              <a:rPr lang="zh-CN" altLang="en-US" smtClean="0"/>
-              <a:t>4</a:t>
-            </a:fld>
-            <a:endParaRPr lang="zh-CN" altLang="en-US"/>
-          </a:p>
-        </p:txBody>
-      </p:sp>
-    </p:spTree>
-    <p:extLst>
-      <p:ext uri="{BB962C8B-B14F-4D97-AF65-F5344CB8AC3E}">
-        <p14:creationId xmlns:p14="http://schemas.microsoft.com/office/powerpoint/2010/main" val="878027849"/>
-      </p:ext>
-    </p:extLst>
-  </p:cSld>
-  <p:clrMapOvr>
-    <a:masterClrMapping/>
-  </p:clrMapOvr>
-</p:notes>
-</file>
-
-<file path=ppt/notesSlides/notesSlide3.xml><?xml version="1.0" encoding="utf-8"?>
-<p:notes xmlns:a="http://schemas.openxmlformats.org/drawingml/2006/main" xmlns:r="http://schemas.openxmlformats.org/officeDocument/2006/relationships" xmlns:p="http://schemas.openxmlformats.org/presentationml/2006/main">
-  <p:cSld>
-    <p:spTree>
-      <p:nvGrpSpPr>
-        <p:cNvPr id="1" name=""/>
-        <p:cNvGrpSpPr/>
-        <p:nvPr/>
-      </p:nvGrpSpPr>
-      <p:grpSpPr>
-        <a:xfrm>
-          <a:off x="0" y="0"/>
-          <a:ext cx="0" cy="0"/>
-          <a:chOff x="0" y="0"/>
-          <a:chExt cx="0" cy="0"/>
-        </a:xfrm>
-      </p:grpSpPr>
-      <p:sp>
-        <p:nvSpPr>
-          <p:cNvPr id="2" name="投影片圖像版面配置區 1"/>
-          <p:cNvSpPr>
-            <a:spLocks noGrp="1" noRot="1" noChangeAspect="1"/>
-          </p:cNvSpPr>
-          <p:nvPr>
-            <p:ph type="sldImg"/>
-          </p:nvPr>
-        </p:nvSpPr>
-        <p:spPr/>
-      </p:sp>
-      <p:sp>
-        <p:nvSpPr>
-          <p:cNvPr id="3" name="備忘稿版面配置區 2"/>
-          <p:cNvSpPr>
-            <a:spLocks noGrp="1"/>
-          </p:cNvSpPr>
-          <p:nvPr>
-            <p:ph type="body" idx="1"/>
-          </p:nvPr>
-        </p:nvSpPr>
-        <p:spPr/>
-        <p:txBody>
-          <a:bodyPr/>
-          <a:lstStyle/>
-          <a:p>
-            <a:endParaRPr lang="zh-TW" altLang="en-US" dirty="0"/>
-          </a:p>
-        </p:txBody>
-      </p:sp>
-      <p:sp>
-        <p:nvSpPr>
-          <p:cNvPr id="4" name="投影片編號版面配置區 3"/>
-          <p:cNvSpPr>
-            <a:spLocks noGrp="1"/>
-          </p:cNvSpPr>
-          <p:nvPr>
-            <p:ph type="sldNum" sz="quarter" idx="10"/>
-          </p:nvPr>
-        </p:nvSpPr>
-        <p:spPr/>
-        <p:txBody>
-          <a:bodyPr/>
-          <a:lstStyle/>
-          <a:p>
-            <a:fld id="{4D710183-7E5D-4282-9F1A-D4A1D08A6C67}" type="slidenum">
-              <a:rPr lang="zh-CN" altLang="en-US" smtClean="0"/>
-              <a:t>5</a:t>
-            </a:fld>
-            <a:endParaRPr lang="zh-CN" altLang="en-US"/>
-          </a:p>
-        </p:txBody>
-      </p:sp>
-    </p:spTree>
-    <p:extLst>
-      <p:ext uri="{BB962C8B-B14F-4D97-AF65-F5344CB8AC3E}">
-        <p14:creationId xmlns:p14="http://schemas.microsoft.com/office/powerpoint/2010/main" val="878027849"/>
-      </p:ext>
-    </p:extLst>
-  </p:cSld>
-  <p:clrMapOvr>
-    <a:masterClrMapping/>
-  </p:clrMapOvr>
-</p:notes>
-</file>
-
-<file path=ppt/notesSlides/notesSlide4.xml><?xml version="1.0" encoding="utf-8"?>
-<p:notes xmlns:a="http://schemas.openxmlformats.org/drawingml/2006/main" xmlns:r="http://schemas.openxmlformats.org/officeDocument/2006/relationships" xmlns:p="http://schemas.openxmlformats.org/presentationml/2006/main">
-  <p:cSld>
-    <p:spTree>
-      <p:nvGrpSpPr>
-        <p:cNvPr id="1" name=""/>
-        <p:cNvGrpSpPr/>
-        <p:nvPr/>
-      </p:nvGrpSpPr>
-      <p:grpSpPr>
-        <a:xfrm>
-          <a:off x="0" y="0"/>
-          <a:ext cx="0" cy="0"/>
-          <a:chOff x="0" y="0"/>
-          <a:chExt cx="0" cy="0"/>
-        </a:xfrm>
-      </p:grpSpPr>
-      <p:sp>
-        <p:nvSpPr>
-          <p:cNvPr id="2" name="投影片圖像版面配置區 1"/>
-          <p:cNvSpPr>
-            <a:spLocks noGrp="1" noRot="1" noChangeAspect="1"/>
-          </p:cNvSpPr>
-          <p:nvPr>
-            <p:ph type="sldImg"/>
-          </p:nvPr>
-        </p:nvSpPr>
-        <p:spPr/>
-      </p:sp>
-      <p:sp>
-        <p:nvSpPr>
-          <p:cNvPr id="3" name="備忘稿版面配置區 2"/>
-          <p:cNvSpPr>
-            <a:spLocks noGrp="1"/>
-          </p:cNvSpPr>
-          <p:nvPr>
-            <p:ph type="body" idx="1"/>
-          </p:nvPr>
-        </p:nvSpPr>
-        <p:spPr/>
-        <p:txBody>
-          <a:bodyPr/>
-          <a:lstStyle/>
-          <a:p>
-            <a:endParaRPr lang="zh-TW" altLang="en-US" dirty="0"/>
-          </a:p>
-        </p:txBody>
-      </p:sp>
-      <p:sp>
-        <p:nvSpPr>
-          <p:cNvPr id="4" name="投影片編號版面配置區 3"/>
-          <p:cNvSpPr>
-            <a:spLocks noGrp="1"/>
-          </p:cNvSpPr>
-          <p:nvPr>
-            <p:ph type="sldNum" sz="quarter" idx="10"/>
-          </p:nvPr>
-        </p:nvSpPr>
-        <p:spPr/>
-        <p:txBody>
-          <a:bodyPr/>
-          <a:lstStyle/>
-          <a:p>
-            <a:fld id="{4D710183-7E5D-4282-9F1A-D4A1D08A6C67}" type="slidenum">
-              <a:rPr lang="zh-CN" altLang="en-US" smtClean="0"/>
-              <a:t>6</a:t>
-            </a:fld>
-            <a:endParaRPr lang="zh-CN" altLang="en-US"/>
-          </a:p>
-        </p:txBody>
-      </p:sp>
-    </p:spTree>
-    <p:extLst>
-      <p:ext uri="{BB962C8B-B14F-4D97-AF65-F5344CB8AC3E}">
-        <p14:creationId xmlns:p14="http://schemas.microsoft.com/office/powerpoint/2010/main" val="878027849"/>
-      </p:ext>
-    </p:extLst>
-  </p:cSld>
-  <p:clrMapOvr>
-    <a:masterClrMapping/>
-  </p:clrMapOvr>
-</p:notes>
-</file>
-
-<file path=ppt/notesSlides/notesSlide5.xml><?xml version="1.0" encoding="utf-8"?>
-<p:notes xmlns:a="http://schemas.openxmlformats.org/drawingml/2006/main" xmlns:r="http://schemas.openxmlformats.org/officeDocument/2006/relationships" xmlns:p="http://schemas.openxmlformats.org/presentationml/2006/main">
-  <p:cSld>
-    <p:spTree>
-      <p:nvGrpSpPr>
-        <p:cNvPr id="1" name=""/>
-        <p:cNvGrpSpPr/>
-        <p:nvPr/>
-      </p:nvGrpSpPr>
-      <p:grpSpPr>
-        <a:xfrm>
-          <a:off x="0" y="0"/>
-          <a:ext cx="0" cy="0"/>
-          <a:chOff x="0" y="0"/>
-          <a:chExt cx="0" cy="0"/>
-        </a:xfrm>
-      </p:grpSpPr>
-      <p:sp>
-        <p:nvSpPr>
-          <p:cNvPr id="2" name="投影片圖像版面配置區 1"/>
-          <p:cNvSpPr>
-            <a:spLocks noGrp="1" noRot="1" noChangeAspect="1"/>
-          </p:cNvSpPr>
-          <p:nvPr>
-            <p:ph type="sldImg"/>
-          </p:nvPr>
-        </p:nvSpPr>
-        <p:spPr/>
-      </p:sp>
-      <p:sp>
-        <p:nvSpPr>
-          <p:cNvPr id="3" name="備忘稿版面配置區 2"/>
-          <p:cNvSpPr>
-            <a:spLocks noGrp="1"/>
-          </p:cNvSpPr>
-          <p:nvPr>
-            <p:ph type="body" idx="1"/>
-          </p:nvPr>
-        </p:nvSpPr>
-        <p:spPr/>
-        <p:txBody>
-          <a:bodyPr/>
-          <a:lstStyle/>
-          <a:p>
-            <a:endParaRPr lang="zh-TW" altLang="en-US" dirty="0"/>
-          </a:p>
-        </p:txBody>
-      </p:sp>
-      <p:sp>
-        <p:nvSpPr>
-          <p:cNvPr id="4" name="投影片編號版面配置區 3"/>
-          <p:cNvSpPr>
-            <a:spLocks noGrp="1"/>
-          </p:cNvSpPr>
-          <p:nvPr>
-            <p:ph type="sldNum" sz="quarter" idx="10"/>
-          </p:nvPr>
-        </p:nvSpPr>
-        <p:spPr/>
-        <p:txBody>
-          <a:bodyPr/>
-          <a:lstStyle/>
-          <a:p>
-            <a:fld id="{4D710183-7E5D-4282-9F1A-D4A1D08A6C67}" type="slidenum">
-              <a:rPr lang="zh-CN" altLang="en-US" smtClean="0"/>
-              <a:t>7</a:t>
             </a:fld>
             <a:endParaRPr lang="zh-CN" altLang="en-US"/>
           </a:p>
@@ -4799,7 +4459,7 @@
           <p:cNvPr id="18" name="矩形: 圆角 17">
             <a:extLst>
               <a:ext uri="{FF2B5EF4-FFF2-40B4-BE49-F238E27FC236}">
-                <a16:creationId xmlns="" xmlns:a16="http://schemas.microsoft.com/office/drawing/2014/main" id="{822EAB1A-0613-4B84-B43A-020769A84C2F}"/>
+                <a16:creationId xmlns:a16="http://schemas.microsoft.com/office/drawing/2014/main" xmlns="" id="{822EAB1A-0613-4B84-B43A-020769A84C2F}"/>
               </a:ext>
             </a:extLst>
           </p:cNvPr>
@@ -4865,7 +4525,7 @@
           <p:cNvPr id="4" name="矩形: 圆角 3">
             <a:extLst>
               <a:ext uri="{FF2B5EF4-FFF2-40B4-BE49-F238E27FC236}">
-                <a16:creationId xmlns="" xmlns:a16="http://schemas.microsoft.com/office/drawing/2014/main" id="{CFAF4C25-9AB4-4329-B21C-0F7CB88F0784}"/>
+                <a16:creationId xmlns:a16="http://schemas.microsoft.com/office/drawing/2014/main" xmlns="" id="{CFAF4C25-9AB4-4329-B21C-0F7CB88F0784}"/>
               </a:ext>
             </a:extLst>
           </p:cNvPr>
@@ -4931,7 +4591,7 @@
           <p:cNvPr id="5" name="文本框 4">
             <a:extLst>
               <a:ext uri="{FF2B5EF4-FFF2-40B4-BE49-F238E27FC236}">
-                <a16:creationId xmlns="" xmlns:a16="http://schemas.microsoft.com/office/drawing/2014/main" id="{959F8909-6800-4D81-9559-FFAEB41A80C1}"/>
+                <a16:creationId xmlns:a16="http://schemas.microsoft.com/office/drawing/2014/main" xmlns="" id="{959F8909-6800-4D81-9559-FFAEB41A80C1}"/>
               </a:ext>
             </a:extLst>
           </p:cNvPr>
@@ -4967,7 +4627,7 @@
                 <a:cs typeface="+mn-ea"/>
                 <a:sym typeface="+mn-lt"/>
               </a:rPr>
-              <a:t>21.10.21(</a:t>
+              <a:t>21.10.22(</a:t>
             </a:r>
             <a:r>
               <a:rPr lang="zh-TW" altLang="en-US" sz="2800" spc="700" dirty="0" smtClean="0">
@@ -4995,7 +4655,7 @@
                 <a:cs typeface="+mn-ea"/>
                 <a:sym typeface="+mn-lt"/>
               </a:rPr>
-              <a:t>21.10.22</a:t>
+              <a:t>21.10.25</a:t>
             </a:r>
             <a:endParaRPr lang="zh-CN" altLang="en-US" sz="2800" spc="700" dirty="0">
               <a:cs typeface="+mn-ea"/>
@@ -5009,7 +4669,7 @@
           <p:cNvPr id="6" name="文本框 5">
             <a:extLst>
               <a:ext uri="{FF2B5EF4-FFF2-40B4-BE49-F238E27FC236}">
-                <a16:creationId xmlns="" xmlns:a16="http://schemas.microsoft.com/office/drawing/2014/main" id="{F8829203-F363-4337-ACAC-0D2C4AE6A337}"/>
+                <a16:creationId xmlns:a16="http://schemas.microsoft.com/office/drawing/2014/main" xmlns="" id="{F8829203-F363-4337-ACAC-0D2C4AE6A337}"/>
               </a:ext>
             </a:extLst>
           </p:cNvPr>
@@ -5076,7 +4736,7 @@
           <p:cNvPr id="8" name="椭圆 7">
             <a:extLst>
               <a:ext uri="{FF2B5EF4-FFF2-40B4-BE49-F238E27FC236}">
-                <a16:creationId xmlns="" xmlns:a16="http://schemas.microsoft.com/office/drawing/2014/main" id="{08B93554-9443-4291-83BC-91BEC5088783}"/>
+                <a16:creationId xmlns:a16="http://schemas.microsoft.com/office/drawing/2014/main" xmlns="" id="{08B93554-9443-4291-83BC-91BEC5088783}"/>
               </a:ext>
             </a:extLst>
           </p:cNvPr>
@@ -5138,7 +4798,7 @@
           <p:cNvPr id="9" name="椭圆 8">
             <a:extLst>
               <a:ext uri="{FF2B5EF4-FFF2-40B4-BE49-F238E27FC236}">
-                <a16:creationId xmlns="" xmlns:a16="http://schemas.microsoft.com/office/drawing/2014/main" id="{16338DEE-2916-4AC7-A537-1507B9F2A824}"/>
+                <a16:creationId xmlns:a16="http://schemas.microsoft.com/office/drawing/2014/main" xmlns="" id="{16338DEE-2916-4AC7-A537-1507B9F2A824}"/>
               </a:ext>
             </a:extLst>
           </p:cNvPr>
@@ -5200,7 +4860,7 @@
           <p:cNvPr id="13" name="组合 12">
             <a:extLst>
               <a:ext uri="{FF2B5EF4-FFF2-40B4-BE49-F238E27FC236}">
-                <a16:creationId xmlns="" xmlns:a16="http://schemas.microsoft.com/office/drawing/2014/main" id="{C0EF9AE3-F1B9-443C-9F86-CDF322936010}"/>
+                <a16:creationId xmlns:a16="http://schemas.microsoft.com/office/drawing/2014/main" xmlns="" id="{C0EF9AE3-F1B9-443C-9F86-CDF322936010}"/>
               </a:ext>
             </a:extLst>
           </p:cNvPr>
@@ -5220,7 +4880,7 @@
             <p:cNvPr id="12" name="矩形: 圆角 11">
               <a:extLst>
                 <a:ext uri="{FF2B5EF4-FFF2-40B4-BE49-F238E27FC236}">
-                  <a16:creationId xmlns="" xmlns:a16="http://schemas.microsoft.com/office/drawing/2014/main" id="{4E9D624C-B884-49D6-955A-058878E5E13C}"/>
+                  <a16:creationId xmlns:a16="http://schemas.microsoft.com/office/drawing/2014/main" xmlns="" id="{4E9D624C-B884-49D6-955A-058878E5E13C}"/>
                 </a:ext>
               </a:extLst>
             </p:cNvPr>
@@ -5284,7 +4944,7 @@
             <p:cNvPr id="10" name="文本框 9">
               <a:extLst>
                 <a:ext uri="{FF2B5EF4-FFF2-40B4-BE49-F238E27FC236}">
-                  <a16:creationId xmlns="" xmlns:a16="http://schemas.microsoft.com/office/drawing/2014/main" id="{D7F488F0-218D-4123-B444-742EAD00AD0E}"/>
+                  <a16:creationId xmlns:a16="http://schemas.microsoft.com/office/drawing/2014/main" xmlns="" id="{D7F488F0-218D-4123-B444-742EAD00AD0E}"/>
                 </a:ext>
               </a:extLst>
             </p:cNvPr>
@@ -5342,7 +5002,7 @@
           <p:cNvPr id="16" name="组合 15">
             <a:extLst>
               <a:ext uri="{FF2B5EF4-FFF2-40B4-BE49-F238E27FC236}">
-                <a16:creationId xmlns="" xmlns:a16="http://schemas.microsoft.com/office/drawing/2014/main" id="{9653DEAF-0910-48E8-8375-9FC078E9D0D6}"/>
+                <a16:creationId xmlns:a16="http://schemas.microsoft.com/office/drawing/2014/main" xmlns="" id="{9653DEAF-0910-48E8-8375-9FC078E9D0D6}"/>
               </a:ext>
             </a:extLst>
           </p:cNvPr>
@@ -5362,7 +5022,7 @@
             <p:cNvPr id="15" name="矩形: 圆角 14">
               <a:extLst>
                 <a:ext uri="{FF2B5EF4-FFF2-40B4-BE49-F238E27FC236}">
-                  <a16:creationId xmlns="" xmlns:a16="http://schemas.microsoft.com/office/drawing/2014/main" id="{CC29E14A-0550-4BFF-99D2-A94938E4EB84}"/>
+                  <a16:creationId xmlns:a16="http://schemas.microsoft.com/office/drawing/2014/main" xmlns="" id="{CC29E14A-0550-4BFF-99D2-A94938E4EB84}"/>
                 </a:ext>
               </a:extLst>
             </p:cNvPr>
@@ -5426,7 +5086,7 @@
             <p:cNvPr id="11" name="文本框 10">
               <a:extLst>
                 <a:ext uri="{FF2B5EF4-FFF2-40B4-BE49-F238E27FC236}">
-                  <a16:creationId xmlns="" xmlns:a16="http://schemas.microsoft.com/office/drawing/2014/main" id="{333307C3-A861-42E7-A2DA-6BAC1BCA9E3C}"/>
+                  <a16:creationId xmlns:a16="http://schemas.microsoft.com/office/drawing/2014/main" xmlns="" id="{333307C3-A861-42E7-A2DA-6BAC1BCA9E3C}"/>
                 </a:ext>
               </a:extLst>
             </p:cNvPr>
@@ -5469,7 +5129,7 @@
                   <a:cs typeface="+mn-ea"/>
                   <a:sym typeface="+mn-lt"/>
                 </a:rPr>
-                <a:t>2021.10.22</a:t>
+                <a:t>2021.10.25</a:t>
               </a:r>
               <a:endParaRPr lang="zh-CN" altLang="en-US" sz="1400" dirty="0">
                 <a:cs typeface="+mn-ea"/>
@@ -5484,7 +5144,7 @@
           <p:cNvPr id="17" name="组合 15">
             <a:extLst>
               <a:ext uri="{FF2B5EF4-FFF2-40B4-BE49-F238E27FC236}">
-                <a16:creationId xmlns="" xmlns:a16="http://schemas.microsoft.com/office/drawing/2014/main" id="{9653DEAF-0910-48E8-8375-9FC078E9D0D6}"/>
+                <a16:creationId xmlns:a16="http://schemas.microsoft.com/office/drawing/2014/main" xmlns="" id="{9653DEAF-0910-48E8-8375-9FC078E9D0D6}"/>
               </a:ext>
             </a:extLst>
           </p:cNvPr>
@@ -5504,7 +5164,7 @@
             <p:cNvPr id="19" name="矩形: 圆角 14">
               <a:extLst>
                 <a:ext uri="{FF2B5EF4-FFF2-40B4-BE49-F238E27FC236}">
-                  <a16:creationId xmlns="" xmlns:a16="http://schemas.microsoft.com/office/drawing/2014/main" id="{CC29E14A-0550-4BFF-99D2-A94938E4EB84}"/>
+                  <a16:creationId xmlns:a16="http://schemas.microsoft.com/office/drawing/2014/main" xmlns="" id="{CC29E14A-0550-4BFF-99D2-A94938E4EB84}"/>
                 </a:ext>
               </a:extLst>
             </p:cNvPr>
@@ -5568,7 +5228,7 @@
             <p:cNvPr id="20" name="文本框 10">
               <a:extLst>
                 <a:ext uri="{FF2B5EF4-FFF2-40B4-BE49-F238E27FC236}">
-                  <a16:creationId xmlns="" xmlns:a16="http://schemas.microsoft.com/office/drawing/2014/main" id="{333307C3-A861-42E7-A2DA-6BAC1BCA9E3C}"/>
+                  <a16:creationId xmlns:a16="http://schemas.microsoft.com/office/drawing/2014/main" xmlns="" id="{333307C3-A861-42E7-A2DA-6BAC1BCA9E3C}"/>
                 </a:ext>
               </a:extLst>
             </p:cNvPr>
@@ -5661,7 +5321,7 @@
         <p:random/>
       </p:transition>
     </mc:Choice>
-    <mc:Fallback xmlns:a16="http://schemas.microsoft.com/office/drawing/2014/main" xmlns="">
+    <mc:Fallback xmlns="" xmlns:a16="http://schemas.microsoft.com/office/drawing/2014/main">
       <p:transition spd="slow" advTm="4078">
         <p:random/>
       </p:transition>
@@ -6118,7 +5778,7 @@
           <p:cNvPr id="7" name="组合 6">
             <a:extLst>
               <a:ext uri="{FF2B5EF4-FFF2-40B4-BE49-F238E27FC236}">
-                <a16:creationId xmlns="" xmlns:a16="http://schemas.microsoft.com/office/drawing/2014/main" id="{5016DF47-4C78-4917-983C-FFC43C3A22DB}"/>
+                <a16:creationId xmlns:a16="http://schemas.microsoft.com/office/drawing/2014/main" xmlns="" id="{5016DF47-4C78-4917-983C-FFC43C3A22DB}"/>
               </a:ext>
             </a:extLst>
           </p:cNvPr>
@@ -6138,7 +5798,7 @@
             <p:cNvPr id="4" name="文本框 3">
               <a:extLst>
                 <a:ext uri="{FF2B5EF4-FFF2-40B4-BE49-F238E27FC236}">
-                  <a16:creationId xmlns="" xmlns:a16="http://schemas.microsoft.com/office/drawing/2014/main" id="{09FE6907-8676-429A-9B5A-DC3FAFE110A8}"/>
+                  <a16:creationId xmlns:a16="http://schemas.microsoft.com/office/drawing/2014/main" xmlns="" id="{09FE6907-8676-429A-9B5A-DC3FAFE110A8}"/>
                 </a:ext>
               </a:extLst>
             </p:cNvPr>
@@ -6180,7 +5840,7 @@
             <p:cNvPr id="6" name="文本框 5">
               <a:extLst>
                 <a:ext uri="{FF2B5EF4-FFF2-40B4-BE49-F238E27FC236}">
-                  <a16:creationId xmlns="" xmlns:a16="http://schemas.microsoft.com/office/drawing/2014/main" id="{6123FD62-F930-464F-86A1-4D1030B58358}"/>
+                  <a16:creationId xmlns:a16="http://schemas.microsoft.com/office/drawing/2014/main" xmlns="" id="{6123FD62-F930-464F-86A1-4D1030B58358}"/>
                 </a:ext>
               </a:extLst>
             </p:cNvPr>
@@ -6237,7 +5897,7 @@
           <p:cNvPr id="8" name="文本框 7">
             <a:extLst>
               <a:ext uri="{FF2B5EF4-FFF2-40B4-BE49-F238E27FC236}">
-                <a16:creationId xmlns="" xmlns:a16="http://schemas.microsoft.com/office/drawing/2014/main" id="{61D68AC2-6217-4618-9FF2-2840E7AAD8C2}"/>
+                <a16:creationId xmlns:a16="http://schemas.microsoft.com/office/drawing/2014/main" xmlns="" id="{61D68AC2-6217-4618-9FF2-2840E7AAD8C2}"/>
               </a:ext>
             </a:extLst>
           </p:cNvPr>
@@ -6247,7 +5907,7 @@
         <p:spPr>
           <a:xfrm>
             <a:off x="213983" y="2681640"/>
-            <a:ext cx="6480116" cy="1631216"/>
+            <a:ext cx="6480116" cy="400110"/>
           </a:xfrm>
           <a:prstGeom prst="rect">
             <a:avLst/>
@@ -6269,28 +5929,14 @@
                 <a:cs typeface="+mn-ea"/>
                 <a:sym typeface="+mn-lt"/>
               </a:rPr>
-              <a:t>修改名稱</a:t>
+              <a:t>修改數值</a:t>
             </a:r>
             <a:r>
               <a:rPr lang="en-US" altLang="zh-TW" sz="2000" spc="400" dirty="0" smtClean="0">
                 <a:cs typeface="+mn-ea"/>
                 <a:sym typeface="+mn-lt"/>
               </a:rPr>
-              <a:t>&amp;</a:t>
-            </a:r>
-            <a:r>
-              <a:rPr lang="zh-TW" altLang="en-US" sz="2000" spc="400" dirty="0" smtClean="0">
-                <a:cs typeface="+mn-ea"/>
-                <a:sym typeface="+mn-lt"/>
-              </a:rPr>
-              <a:t>數值</a:t>
-            </a:r>
-            <a:r>
-              <a:rPr lang="en-US" altLang="zh-TW" sz="2000" spc="400" dirty="0" smtClean="0">
-                <a:cs typeface="+mn-ea"/>
-                <a:sym typeface="+mn-lt"/>
-              </a:rPr>
-              <a:t>(</a:t>
+              <a:t>bug(</a:t>
             </a:r>
             <a:r>
               <a:rPr lang="zh-TW" altLang="en-US" sz="2000" spc="400" dirty="0" smtClean="0">
@@ -6306,64 +5952,7 @@
               </a:rPr>
               <a:t>)</a:t>
             </a:r>
-          </a:p>
-          <a:p>
-            <a:pPr marL="342900" indent="-342900">
-              <a:buFont typeface="Wingdings" panose="05000000000000000000" pitchFamily="2" charset="2"/>
-              <a:buChar char="l"/>
-            </a:pPr>
-            <a:endParaRPr lang="en-US" altLang="zh-TW" sz="2000" spc="400" dirty="0">
-              <a:cs typeface="+mn-ea"/>
-              <a:sym typeface="+mn-lt"/>
-            </a:endParaRPr>
-          </a:p>
-          <a:p>
-            <a:pPr marL="342900" indent="-342900">
-              <a:buFont typeface="Wingdings" panose="05000000000000000000" pitchFamily="2" charset="2"/>
-              <a:buChar char="l"/>
-            </a:pPr>
-            <a:r>
-              <a:rPr lang="zh-TW" altLang="en-US" sz="2000" spc="400" dirty="0" smtClean="0">
-                <a:cs typeface="+mn-ea"/>
-                <a:sym typeface="+mn-lt"/>
-              </a:rPr>
-              <a:t>修改排版</a:t>
-            </a:r>
             <a:endParaRPr lang="en-US" altLang="zh-TW" sz="2000" spc="400" dirty="0" smtClean="0">
-              <a:cs typeface="+mn-ea"/>
-              <a:sym typeface="+mn-lt"/>
-            </a:endParaRPr>
-          </a:p>
-          <a:p>
-            <a:pPr marL="342900" indent="-342900">
-              <a:buFont typeface="Wingdings" panose="05000000000000000000" pitchFamily="2" charset="2"/>
-              <a:buChar char="l"/>
-            </a:pPr>
-            <a:endParaRPr lang="en-US" altLang="zh-TW" sz="2000" spc="400" dirty="0" smtClean="0">
-              <a:cs typeface="+mn-ea"/>
-              <a:sym typeface="+mn-lt"/>
-            </a:endParaRPr>
-          </a:p>
-          <a:p>
-            <a:pPr marL="342900" indent="-342900">
-              <a:buFont typeface="Wingdings" panose="05000000000000000000" pitchFamily="2" charset="2"/>
-              <a:buChar char="l"/>
-            </a:pPr>
-            <a:r>
-              <a:rPr lang="zh-TW" altLang="en-US" sz="2000" spc="400" dirty="0" smtClean="0">
-                <a:cs typeface="+mn-ea"/>
-                <a:sym typeface="+mn-lt"/>
-              </a:rPr>
-              <a:t>修復</a:t>
-            </a:r>
-            <a:r>
-              <a:rPr lang="en-US" altLang="zh-TW" sz="2000" spc="400" dirty="0" smtClean="0">
-                <a:cs typeface="+mn-ea"/>
-                <a:sym typeface="+mn-lt"/>
-              </a:rPr>
-              <a:t>bug</a:t>
-            </a:r>
-            <a:endParaRPr lang="en-US" altLang="zh-TW" sz="2000" spc="400" dirty="0">
               <a:cs typeface="+mn-ea"/>
               <a:sym typeface="+mn-lt"/>
             </a:endParaRPr>
@@ -6419,7 +6008,7 @@
         <p:random/>
       </p:transition>
     </mc:Choice>
-    <mc:Fallback xmlns:a14="http://schemas.microsoft.com/office/drawing/2010/main" xmlns:a16="http://schemas.microsoft.com/office/drawing/2014/main" xmlns="">
+    <mc:Fallback xmlns="" xmlns:a16="http://schemas.microsoft.com/office/drawing/2014/main" xmlns:a14="http://schemas.microsoft.com/office/drawing/2010/main">
       <p:transition spd="slow" advTm="4024">
         <p:random/>
       </p:transition>
@@ -6589,7 +6178,7 @@
           <p:cNvPr id="2" name="矩形 1">
             <a:extLst>
               <a:ext uri="{FF2B5EF4-FFF2-40B4-BE49-F238E27FC236}">
-                <a16:creationId xmlns="" xmlns:a16="http://schemas.microsoft.com/office/drawing/2014/main" id="{6130B33B-FCB5-4AFA-8175-BA08126D80E1}"/>
+                <a16:creationId xmlns:a16="http://schemas.microsoft.com/office/drawing/2014/main" xmlns="" id="{6130B33B-FCB5-4AFA-8175-BA08126D80E1}"/>
               </a:ext>
             </a:extLst>
           </p:cNvPr>
@@ -6647,7 +6236,7 @@
           <p:cNvPr id="3" name="组合 2">
             <a:extLst>
               <a:ext uri="{FF2B5EF4-FFF2-40B4-BE49-F238E27FC236}">
-                <a16:creationId xmlns="" xmlns:a16="http://schemas.microsoft.com/office/drawing/2014/main" id="{CF3B8F59-C87E-48F7-911B-3FCC3B1922F9}"/>
+                <a16:creationId xmlns:a16="http://schemas.microsoft.com/office/drawing/2014/main" xmlns="" id="{CF3B8F59-C87E-48F7-911B-3FCC3B1922F9}"/>
               </a:ext>
             </a:extLst>
           </p:cNvPr>
@@ -6656,10 +6245,10 @@
         </p:nvGrpSpPr>
         <p:grpSpPr>
           <a:xfrm>
-            <a:off x="2562044" y="558999"/>
-            <a:ext cx="8445261" cy="976561"/>
-            <a:chOff x="203524" y="1991896"/>
-            <a:chExt cx="4914302" cy="1083521"/>
+            <a:off x="3510952" y="558999"/>
+            <a:ext cx="7496354" cy="976561"/>
+            <a:chOff x="755694" y="1991896"/>
+            <a:chExt cx="4362133" cy="1083521"/>
           </a:xfrm>
         </p:grpSpPr>
         <p:sp>
@@ -6667,7 +6256,7 @@
             <p:cNvPr id="4" name="文本框 3">
               <a:extLst>
                 <a:ext uri="{FF2B5EF4-FFF2-40B4-BE49-F238E27FC236}">
-                  <a16:creationId xmlns="" xmlns:a16="http://schemas.microsoft.com/office/drawing/2014/main" id="{F069F7C5-7C6B-4416-BA43-7E9FF2B95F70}"/>
+                  <a16:creationId xmlns:a16="http://schemas.microsoft.com/office/drawing/2014/main" xmlns="" id="{F069F7C5-7C6B-4416-BA43-7E9FF2B95F70}"/>
                 </a:ext>
               </a:extLst>
             </p:cNvPr>
@@ -6676,8 +6265,8 @@
           </p:nvSpPr>
           <p:spPr>
             <a:xfrm>
-              <a:off x="203524" y="1991896"/>
-              <a:ext cx="4914302" cy="785419"/>
+              <a:off x="755694" y="1991896"/>
+              <a:ext cx="4362133" cy="785419"/>
             </a:xfrm>
             <a:prstGeom prst="rect">
               <a:avLst/>
@@ -6702,7 +6291,14 @@
                   <a:cs typeface="+mn-ea"/>
                   <a:sym typeface="+mn-lt"/>
                 </a:rPr>
-                <a:t>修改連棟指數的公式</a:t>
+                <a:t>修改數值</a:t>
+              </a:r>
+              <a:r>
+                <a:rPr lang="en-US" altLang="zh-TW" sz="4000" spc="400" dirty="0">
+                  <a:cs typeface="+mn-ea"/>
+                  <a:sym typeface="+mn-lt"/>
+                </a:rPr>
+                <a:t>bug</a:t>
               </a:r>
               <a:endParaRPr lang="en-US" altLang="zh-TW" sz="4000" spc="400" dirty="0">
                 <a:cs typeface="+mn-ea"/>
@@ -6716,7 +6312,7 @@
             <p:cNvPr id="5" name="文本框 4">
               <a:extLst>
                 <a:ext uri="{FF2B5EF4-FFF2-40B4-BE49-F238E27FC236}">
-                  <a16:creationId xmlns="" xmlns:a16="http://schemas.microsoft.com/office/drawing/2014/main" id="{E7404F6D-3A40-4203-8F0A-6169C74FB4CA}"/>
+                  <a16:creationId xmlns:a16="http://schemas.microsoft.com/office/drawing/2014/main" xmlns="" id="{E7404F6D-3A40-4203-8F0A-6169C74FB4CA}"/>
                 </a:ext>
               </a:extLst>
             </p:cNvPr>
@@ -6764,7 +6360,7 @@
       </p:grpSp>
       <p:pic>
         <p:nvPicPr>
-          <p:cNvPr id="1026" name="Picture 2"/>
+          <p:cNvPr id="11" name="Picture 2"/>
           <p:cNvPicPr>
             <a:picLocks noChangeAspect="1" noChangeArrowheads="1"/>
           </p:cNvPicPr>
@@ -6785,8 +6381,8 @@
         </p:blipFill>
         <p:spPr bwMode="auto">
           <a:xfrm>
-            <a:off x="257175" y="2197399"/>
-            <a:ext cx="11934825" cy="3981450"/>
+            <a:off x="623883" y="2075911"/>
+            <a:ext cx="10944225" cy="3448050"/>
           </a:xfrm>
           <a:prstGeom prst="rect">
             <a:avLst/>
@@ -6818,14 +6414,14 @@
       </p:pic>
       <p:sp>
         <p:nvSpPr>
-          <p:cNvPr id="6" name="矩形 5"/>
+          <p:cNvPr id="12" name="矩形 11"/>
           <p:cNvSpPr/>
           <p:nvPr/>
         </p:nvSpPr>
         <p:spPr>
           <a:xfrm>
-            <a:off x="1949570" y="4433976"/>
-            <a:ext cx="1086928" cy="241539"/>
+            <a:off x="4830792" y="3942272"/>
+            <a:ext cx="767751" cy="603849"/>
           </a:xfrm>
           <a:prstGeom prst="rect">
             <a:avLst/>
@@ -6864,14 +6460,14 @@
       </p:sp>
       <p:sp>
         <p:nvSpPr>
-          <p:cNvPr id="8" name="矩形 7"/>
+          <p:cNvPr id="14" name="矩形 13"/>
           <p:cNvSpPr/>
           <p:nvPr/>
         </p:nvSpPr>
         <p:spPr>
           <a:xfrm>
-            <a:off x="1023668" y="4675516"/>
-            <a:ext cx="2012830" cy="241539"/>
+            <a:off x="6225395" y="3338423"/>
+            <a:ext cx="5118341" cy="733245"/>
           </a:xfrm>
           <a:prstGeom prst="rect">
             <a:avLst/>
@@ -6910,106 +6506,14 @@
       </p:sp>
       <p:sp>
         <p:nvSpPr>
-          <p:cNvPr id="9" name="矩形 8"/>
+          <p:cNvPr id="13" name="矩形 12"/>
           <p:cNvSpPr/>
           <p:nvPr/>
         </p:nvSpPr>
         <p:spPr>
           <a:xfrm>
-            <a:off x="4543246" y="4433977"/>
-            <a:ext cx="623977" cy="483078"/>
-          </a:xfrm>
-          <a:prstGeom prst="rect">
-            <a:avLst/>
-          </a:prstGeom>
-          <a:noFill/>
-          <a:ln w="38100">
-            <a:solidFill>
-              <a:srgbClr val="FF0000"/>
-            </a:solidFill>
-          </a:ln>
-        </p:spPr>
-        <p:style>
-          <a:lnRef idx="2">
-            <a:schemeClr val="accent1">
-              <a:shade val="50000"/>
-            </a:schemeClr>
-          </a:lnRef>
-          <a:fillRef idx="1">
-            <a:schemeClr val="accent1"/>
-          </a:fillRef>
-          <a:effectRef idx="0">
-            <a:schemeClr val="accent1"/>
-          </a:effectRef>
-          <a:fontRef idx="minor">
-            <a:schemeClr val="lt1"/>
-          </a:fontRef>
-        </p:style>
-        <p:txBody>
-          <a:bodyPr rtlCol="0" anchor="ctr"/>
-          <a:lstStyle/>
-          <a:p>
-            <a:pPr algn="ctr"/>
-            <a:endParaRPr lang="zh-TW" altLang="en-US"/>
-          </a:p>
-        </p:txBody>
-      </p:sp>
-      <p:sp>
-        <p:nvSpPr>
-          <p:cNvPr id="10" name="矩形 9"/>
-          <p:cNvSpPr/>
-          <p:nvPr/>
-        </p:nvSpPr>
-        <p:spPr>
-          <a:xfrm>
-            <a:off x="5137659" y="4465605"/>
-            <a:ext cx="607533" cy="241539"/>
-          </a:xfrm>
-          <a:prstGeom prst="rect">
-            <a:avLst/>
-          </a:prstGeom>
-          <a:noFill/>
-          <a:ln w="38100">
-            <a:solidFill>
-              <a:srgbClr val="FF0000"/>
-            </a:solidFill>
-          </a:ln>
-        </p:spPr>
-        <p:style>
-          <a:lnRef idx="2">
-            <a:schemeClr val="accent1">
-              <a:shade val="50000"/>
-            </a:schemeClr>
-          </a:lnRef>
-          <a:fillRef idx="1">
-            <a:schemeClr val="accent1"/>
-          </a:fillRef>
-          <a:effectRef idx="0">
-            <a:schemeClr val="accent1"/>
-          </a:effectRef>
-          <a:fontRef idx="minor">
-            <a:schemeClr val="lt1"/>
-          </a:fontRef>
-        </p:style>
-        <p:txBody>
-          <a:bodyPr rtlCol="0" anchor="ctr"/>
-          <a:lstStyle/>
-          <a:p>
-            <a:pPr algn="ctr"/>
-            <a:endParaRPr lang="zh-TW" altLang="en-US"/>
-          </a:p>
-        </p:txBody>
-      </p:sp>
-      <p:sp>
-        <p:nvSpPr>
-          <p:cNvPr id="7" name="矩形 6"/>
-          <p:cNvSpPr/>
-          <p:nvPr/>
-        </p:nvSpPr>
-        <p:spPr>
-          <a:xfrm>
-            <a:off x="3933645" y="3045125"/>
-            <a:ext cx="2076153" cy="888520"/>
+            <a:off x="3856008" y="5523961"/>
+            <a:ext cx="4330460" cy="600794"/>
           </a:xfrm>
           <a:prstGeom prst="rect">
             <a:avLst/>
@@ -7038,17 +6542,12 @@
             <a:pPr algn="ctr"/>
             <a:r>
               <a:rPr lang="zh-TW" altLang="en-US" dirty="0" smtClean="0"/>
-              <a:t>修改名稱</a:t>
-            </a:r>
-            <a:r>
-              <a:rPr lang="en-US" altLang="zh-TW" dirty="0" smtClean="0"/>
-              <a:t>&amp;</a:t>
-            </a:r>
-            <a:r>
-              <a:rPr lang="zh-TW" altLang="en-US" dirty="0" smtClean="0"/>
-              <a:t>數值</a:t>
-            </a:r>
-            <a:endParaRPr lang="zh-TW" altLang="en-US" dirty="0"/>
+              <a:t>單重與</a:t>
+            </a:r>
+            <a:r>
+              <a:rPr lang="zh-TW" altLang="en-US" dirty="0"/>
+              <a:t>價錢的部分接已修正</a:t>
+            </a:r>
           </a:p>
         </p:txBody>
       </p:sp>
@@ -7235,2076 +6734,10 @@
       </p:grpSpPr>
       <p:sp>
         <p:nvSpPr>
-          <p:cNvPr id="2" name="矩形 1">
-            <a:extLst>
-              <a:ext uri="{FF2B5EF4-FFF2-40B4-BE49-F238E27FC236}">
-                <a16:creationId xmlns="" xmlns:a16="http://schemas.microsoft.com/office/drawing/2014/main" id="{6130B33B-FCB5-4AFA-8175-BA08126D80E1}"/>
-              </a:ext>
-            </a:extLst>
-          </p:cNvPr>
-          <p:cNvSpPr/>
-          <p:nvPr/>
-        </p:nvSpPr>
-        <p:spPr>
-          <a:xfrm>
-            <a:off x="5029196" y="265030"/>
-            <a:ext cx="2133600" cy="228600"/>
-          </a:xfrm>
-          <a:prstGeom prst="rect">
-            <a:avLst/>
-          </a:prstGeom>
-          <a:solidFill>
-            <a:schemeClr val="tx1">
-              <a:lumMod val="75000"/>
-              <a:lumOff val="25000"/>
-            </a:schemeClr>
-          </a:solidFill>
-          <a:ln>
-            <a:noFill/>
-          </a:ln>
-        </p:spPr>
-        <p:style>
-          <a:lnRef idx="2">
-            <a:schemeClr val="accent1">
-              <a:shade val="50000"/>
-            </a:schemeClr>
-          </a:lnRef>
-          <a:fillRef idx="1">
-            <a:schemeClr val="accent1"/>
-          </a:fillRef>
-          <a:effectRef idx="0">
-            <a:schemeClr val="accent1"/>
-          </a:effectRef>
-          <a:fontRef idx="minor">
-            <a:schemeClr val="lt1"/>
-          </a:fontRef>
-        </p:style>
-        <p:txBody>
-          <a:bodyPr rtlCol="0" anchor="ctr"/>
-          <a:lstStyle/>
-          <a:p>
-            <a:pPr algn="ctr"/>
-            <a:endParaRPr lang="zh-CN" altLang="en-US">
-              <a:cs typeface="+mn-ea"/>
-              <a:sym typeface="+mn-lt"/>
-            </a:endParaRPr>
-          </a:p>
-        </p:txBody>
-      </p:sp>
-      <p:grpSp>
-        <p:nvGrpSpPr>
-          <p:cNvPr id="3" name="组合 2">
-            <a:extLst>
-              <a:ext uri="{FF2B5EF4-FFF2-40B4-BE49-F238E27FC236}">
-                <a16:creationId xmlns="" xmlns:a16="http://schemas.microsoft.com/office/drawing/2014/main" id="{CF3B8F59-C87E-48F7-911B-3FCC3B1922F9}"/>
-              </a:ext>
-            </a:extLst>
-          </p:cNvPr>
-          <p:cNvGrpSpPr/>
-          <p:nvPr/>
-        </p:nvGrpSpPr>
-        <p:grpSpPr>
-          <a:xfrm>
-            <a:off x="3576350" y="558999"/>
-            <a:ext cx="7430955" cy="976561"/>
-            <a:chOff x="793749" y="1991896"/>
-            <a:chExt cx="4324077" cy="1083521"/>
-          </a:xfrm>
-        </p:grpSpPr>
-        <p:sp>
-          <p:nvSpPr>
-            <p:cNvPr id="4" name="文本框 3">
-              <a:extLst>
-                <a:ext uri="{FF2B5EF4-FFF2-40B4-BE49-F238E27FC236}">
-                  <a16:creationId xmlns="" xmlns:a16="http://schemas.microsoft.com/office/drawing/2014/main" id="{F069F7C5-7C6B-4416-BA43-7E9FF2B95F70}"/>
-                </a:ext>
-              </a:extLst>
-            </p:cNvPr>
-            <p:cNvSpPr txBox="1"/>
-            <p:nvPr/>
-          </p:nvSpPr>
-          <p:spPr>
-            <a:xfrm>
-              <a:off x="1588966" y="1991896"/>
-              <a:ext cx="3528860" cy="785419"/>
-            </a:xfrm>
-            <a:prstGeom prst="rect">
-              <a:avLst/>
-            </a:prstGeom>
-            <a:noFill/>
-          </p:spPr>
-          <p:txBody>
-            <a:bodyPr wrap="square" rtlCol="0">
-              <a:spAutoFit/>
-            </a:bodyPr>
-            <a:lstStyle/>
-            <a:p>
-              <a:r>
-                <a:rPr lang="zh-TW" altLang="en-US" sz="4000" spc="400" dirty="0" smtClean="0">
-                  <a:cs typeface="+mn-ea"/>
-                  <a:sym typeface="+mn-lt"/>
-                </a:rPr>
-                <a:t>修改</a:t>
-              </a:r>
-              <a:r>
-                <a:rPr lang="zh-TW" altLang="en-US" sz="4000" spc="400" dirty="0">
-                  <a:cs typeface="+mn-ea"/>
-                  <a:sym typeface="+mn-lt"/>
-                </a:rPr>
-                <a:t>排版</a:t>
-              </a:r>
-              <a:endParaRPr lang="en-US" altLang="zh-TW" sz="4000" spc="400" dirty="0">
-                <a:cs typeface="+mn-ea"/>
-                <a:sym typeface="+mn-lt"/>
-              </a:endParaRPr>
-            </a:p>
-          </p:txBody>
-        </p:sp>
-        <p:sp>
-          <p:nvSpPr>
-            <p:cNvPr id="5" name="文本框 4">
-              <a:extLst>
-                <a:ext uri="{FF2B5EF4-FFF2-40B4-BE49-F238E27FC236}">
-                  <a16:creationId xmlns="" xmlns:a16="http://schemas.microsoft.com/office/drawing/2014/main" id="{E7404F6D-3A40-4203-8F0A-6169C74FB4CA}"/>
-                </a:ext>
-              </a:extLst>
-            </p:cNvPr>
-            <p:cNvSpPr txBox="1"/>
-            <p:nvPr/>
-          </p:nvSpPr>
-          <p:spPr>
-            <a:xfrm>
-              <a:off x="793749" y="2699782"/>
-              <a:ext cx="2832050" cy="375635"/>
-            </a:xfrm>
-            <a:prstGeom prst="rect">
-              <a:avLst/>
-            </a:prstGeom>
-            <a:noFill/>
-          </p:spPr>
-          <p:txBody>
-            <a:bodyPr wrap="square">
-              <a:spAutoFit/>
-            </a:bodyPr>
-            <a:lstStyle/>
-            <a:p>
-              <a:pPr algn="ctr"/>
-              <a:r>
-                <a:rPr lang="en-US" altLang="zh-TW" sz="1600" dirty="0">
-                  <a:cs typeface="+mn-ea"/>
-                  <a:sym typeface="+mn-lt"/>
-                </a:rPr>
-                <a:t>Project </a:t>
-              </a:r>
-              <a:r>
-                <a:rPr lang="en-US" altLang="zh-TW" sz="1600" dirty="0" smtClean="0">
-                  <a:cs typeface="+mn-ea"/>
-                  <a:sym typeface="+mn-lt"/>
-                </a:rPr>
-                <a:t>planning</a:t>
-              </a:r>
-              <a:endParaRPr lang="zh-CN" altLang="en-US" sz="1600" dirty="0">
-                <a:cs typeface="+mn-ea"/>
-                <a:sym typeface="+mn-lt"/>
-              </a:endParaRPr>
-            </a:p>
-          </p:txBody>
-        </p:sp>
-      </p:grpSp>
-      <p:pic>
-        <p:nvPicPr>
-          <p:cNvPr id="11" name="Picture 2"/>
-          <p:cNvPicPr>
-            <a:picLocks noChangeAspect="1" noChangeArrowheads="1"/>
-          </p:cNvPicPr>
-          <p:nvPr/>
-        </p:nvPicPr>
-        <p:blipFill>
-          <a:blip r:embed="rId3">
-            <a:extLst>
-              <a:ext uri="{28A0092B-C50C-407E-A947-70E740481C1C}">
-                <a14:useLocalDpi xmlns:a14="http://schemas.microsoft.com/office/drawing/2010/main" val="0"/>
-              </a:ext>
-            </a:extLst>
-          </a:blip>
-          <a:srcRect/>
-          <a:stretch>
-            <a:fillRect/>
-          </a:stretch>
-        </p:blipFill>
-        <p:spPr bwMode="auto">
-          <a:xfrm>
-            <a:off x="223284" y="1600201"/>
-            <a:ext cx="10784021" cy="5041530"/>
-          </a:xfrm>
-          <a:prstGeom prst="rect">
-            <a:avLst/>
-          </a:prstGeom>
-          <a:noFill/>
-          <a:ln>
-            <a:noFill/>
-          </a:ln>
-          <a:extLst>
-            <a:ext uri="{909E8E84-426E-40DD-AFC4-6F175D3DCCD1}">
-              <a14:hiddenFill xmlns:a14="http://schemas.microsoft.com/office/drawing/2010/main">
-                <a:solidFill>
-                  <a:schemeClr val="accent1"/>
-                </a:solidFill>
-              </a14:hiddenFill>
-            </a:ext>
-            <a:ext uri="{91240B29-F687-4F45-9708-019B960494DF}">
-              <a14:hiddenLine xmlns:a14="http://schemas.microsoft.com/office/drawing/2010/main" w="9525">
-                <a:solidFill>
-                  <a:schemeClr val="tx1"/>
-                </a:solidFill>
-                <a:miter lim="800000"/>
-                <a:headEnd/>
-                <a:tailEnd/>
-              </a14:hiddenLine>
-            </a:ext>
-          </a:extLst>
-        </p:spPr>
-      </p:pic>
-      <p:sp>
-        <p:nvSpPr>
-          <p:cNvPr id="12" name="矩形 11"/>
-          <p:cNvSpPr/>
-          <p:nvPr/>
-        </p:nvSpPr>
-        <p:spPr>
-          <a:xfrm>
-            <a:off x="223284" y="3864634"/>
-            <a:ext cx="3037501" cy="1199072"/>
-          </a:xfrm>
-          <a:prstGeom prst="rect">
-            <a:avLst/>
-          </a:prstGeom>
-        </p:spPr>
-        <p:style>
-          <a:lnRef idx="2">
-            <a:schemeClr val="accent1">
-              <a:shade val="50000"/>
-            </a:schemeClr>
-          </a:lnRef>
-          <a:fillRef idx="1">
-            <a:schemeClr val="accent1"/>
-          </a:fillRef>
-          <a:effectRef idx="0">
-            <a:schemeClr val="accent1"/>
-          </a:effectRef>
-          <a:fontRef idx="minor">
-            <a:schemeClr val="lt1"/>
-          </a:fontRef>
-        </p:style>
-        <p:txBody>
-          <a:bodyPr rtlCol="0" anchor="ctr"/>
-          <a:lstStyle/>
-          <a:p>
-            <a:pPr algn="ctr"/>
-            <a:r>
-              <a:rPr lang="zh-TW" altLang="en-US" dirty="0" smtClean="0"/>
-              <a:t>切換表單時，排列順序跟原本不一樣，已進行調整。</a:t>
-            </a:r>
-            <a:endParaRPr lang="zh-TW" altLang="en-US" dirty="0"/>
-          </a:p>
-        </p:txBody>
-      </p:sp>
-    </p:spTree>
-    <p:extLst>
-      <p:ext uri="{BB962C8B-B14F-4D97-AF65-F5344CB8AC3E}">
-        <p14:creationId xmlns:p14="http://schemas.microsoft.com/office/powerpoint/2010/main" val="2345685409"/>
-      </p:ext>
-    </p:extLst>
-  </p:cSld>
-  <p:clrMapOvr>
-    <a:masterClrMapping/>
-  </p:clrMapOvr>
-  <mc:AlternateContent xmlns:mc="http://schemas.openxmlformats.org/markup-compatibility/2006" xmlns:p14="http://schemas.microsoft.com/office/powerpoint/2010/main">
-    <mc:Choice Requires="p14">
-      <p:transition spd="slow" p14:dur="1500">
-        <p:random/>
-      </p:transition>
-    </mc:Choice>
-    <mc:Fallback xmlns="">
-      <p:transition spd="slow">
-        <p:random/>
-      </p:transition>
-    </mc:Fallback>
-  </mc:AlternateContent>
-  <p:timing>
-    <p:tnLst>
-      <p:par>
-        <p:cTn id="1" dur="indefinite" restart="never" nodeType="tmRoot">
-          <p:childTnLst>
-            <p:seq concurrent="1" nextAc="seek">
-              <p:cTn id="2" dur="indefinite" nodeType="mainSeq">
-                <p:childTnLst>
-                  <p:par>
-                    <p:cTn id="3" fill="hold">
-                      <p:stCondLst>
-                        <p:cond delay="indefinite"/>
-                      </p:stCondLst>
-                      <p:childTnLst>
-                        <p:par>
-                          <p:cTn id="4" fill="hold">
-                            <p:stCondLst>
-                              <p:cond delay="0"/>
-                            </p:stCondLst>
-                            <p:childTnLst>
-                              <p:par>
-                                <p:cTn id="5" presetID="16" presetClass="entr" presetSubtype="37" fill="hold" grpId="0" nodeType="clickEffect">
-                                  <p:stCondLst>
-                                    <p:cond delay="0"/>
-                                  </p:stCondLst>
-                                  <p:childTnLst>
-                                    <p:set>
-                                      <p:cBhvr>
-                                        <p:cTn id="6" dur="1" fill="hold">
-                                          <p:stCondLst>
-                                            <p:cond delay="0"/>
-                                          </p:stCondLst>
-                                        </p:cTn>
-                                        <p:tgtEl>
-                                          <p:spTgt spid="2"/>
-                                        </p:tgtEl>
-                                        <p:attrNameLst>
-                                          <p:attrName>style.visibility</p:attrName>
-                                        </p:attrNameLst>
-                                      </p:cBhvr>
-                                      <p:to>
-                                        <p:strVal val="visible"/>
-                                      </p:to>
-                                    </p:set>
-                                    <p:animEffect transition="in" filter="barn(outVertical)">
-                                      <p:cBhvr>
-                                        <p:cTn id="7" dur="500"/>
-                                        <p:tgtEl>
-                                          <p:spTgt spid="2"/>
-                                        </p:tgtEl>
-                                      </p:cBhvr>
-                                    </p:animEffect>
-                                  </p:childTnLst>
-                                </p:cTn>
-                              </p:par>
-                            </p:childTnLst>
-                          </p:cTn>
-                        </p:par>
-                      </p:childTnLst>
-                    </p:cTn>
-                  </p:par>
-                  <p:par>
-                    <p:cTn id="8" fill="hold">
-                      <p:stCondLst>
-                        <p:cond delay="indefinite"/>
-                      </p:stCondLst>
-                      <p:childTnLst>
-                        <p:par>
-                          <p:cTn id="9" fill="hold">
-                            <p:stCondLst>
-                              <p:cond delay="0"/>
-                            </p:stCondLst>
-                            <p:childTnLst>
-                              <p:par>
-                                <p:cTn id="10" presetID="22" presetClass="entr" presetSubtype="8" fill="hold" nodeType="clickEffect">
-                                  <p:stCondLst>
-                                    <p:cond delay="0"/>
-                                  </p:stCondLst>
-                                  <p:childTnLst>
-                                    <p:set>
-                                      <p:cBhvr>
-                                        <p:cTn id="11" dur="1" fill="hold">
-                                          <p:stCondLst>
-                                            <p:cond delay="0"/>
-                                          </p:stCondLst>
-                                        </p:cTn>
-                                        <p:tgtEl>
-                                          <p:spTgt spid="3"/>
-                                        </p:tgtEl>
-                                        <p:attrNameLst>
-                                          <p:attrName>style.visibility</p:attrName>
-                                        </p:attrNameLst>
-                                      </p:cBhvr>
-                                      <p:to>
-                                        <p:strVal val="visible"/>
-                                      </p:to>
-                                    </p:set>
-                                    <p:animEffect transition="in" filter="wipe(left)">
-                                      <p:cBhvr>
-                                        <p:cTn id="12" dur="500"/>
-                                        <p:tgtEl>
-                                          <p:spTgt spid="3"/>
-                                        </p:tgtEl>
-                                      </p:cBhvr>
-                                    </p:animEffect>
-                                  </p:childTnLst>
-                                </p:cTn>
-                              </p:par>
-                            </p:childTnLst>
-                          </p:cTn>
-                        </p:par>
-                      </p:childTnLst>
-                    </p:cTn>
-                  </p:par>
-                </p:childTnLst>
-              </p:cTn>
-              <p:prevCondLst>
-                <p:cond evt="onPrev" delay="0">
-                  <p:tgtEl>
-                    <p:sldTgt/>
-                  </p:tgtEl>
-                </p:cond>
-              </p:prevCondLst>
-              <p:nextCondLst>
-                <p:cond evt="onNext" delay="0">
-                  <p:tgtEl>
-                    <p:sldTgt/>
-                  </p:tgtEl>
-                </p:cond>
-              </p:nextCondLst>
-            </p:seq>
-          </p:childTnLst>
-        </p:cTn>
-      </p:par>
-    </p:tnLst>
-    <p:bldLst>
-      <p:bldP spid="2" grpId="0" animBg="1"/>
-    </p:bldLst>
-  </p:timing>
-</p:sld>
-</file>
-
-<file path=ppt/slides/slide5.xml><?xml version="1.0" encoding="utf-8"?>
-<p:sld xmlns:a="http://schemas.openxmlformats.org/drawingml/2006/main" xmlns:r="http://schemas.openxmlformats.org/officeDocument/2006/relationships" xmlns:p="http://schemas.openxmlformats.org/presentationml/2006/main">
-  <p:cSld>
-    <p:spTree>
-      <p:nvGrpSpPr>
-        <p:cNvPr id="1" name=""/>
-        <p:cNvGrpSpPr/>
-        <p:nvPr/>
-      </p:nvGrpSpPr>
-      <p:grpSpPr>
-        <a:xfrm>
-          <a:off x="0" y="0"/>
-          <a:ext cx="0" cy="0"/>
-          <a:chOff x="0" y="0"/>
-          <a:chExt cx="0" cy="0"/>
-        </a:xfrm>
-      </p:grpSpPr>
-      <p:sp>
-        <p:nvSpPr>
-          <p:cNvPr id="2" name="矩形 1">
-            <a:extLst>
-              <a:ext uri="{FF2B5EF4-FFF2-40B4-BE49-F238E27FC236}">
-                <a16:creationId xmlns="" xmlns:a16="http://schemas.microsoft.com/office/drawing/2014/main" id="{6130B33B-FCB5-4AFA-8175-BA08126D80E1}"/>
-              </a:ext>
-            </a:extLst>
-          </p:cNvPr>
-          <p:cNvSpPr/>
-          <p:nvPr/>
-        </p:nvSpPr>
-        <p:spPr>
-          <a:xfrm>
-            <a:off x="5029196" y="265030"/>
-            <a:ext cx="2133600" cy="228600"/>
-          </a:xfrm>
-          <a:prstGeom prst="rect">
-            <a:avLst/>
-          </a:prstGeom>
-          <a:solidFill>
-            <a:schemeClr val="tx1">
-              <a:lumMod val="75000"/>
-              <a:lumOff val="25000"/>
-            </a:schemeClr>
-          </a:solidFill>
-          <a:ln>
-            <a:noFill/>
-          </a:ln>
-        </p:spPr>
-        <p:style>
-          <a:lnRef idx="2">
-            <a:schemeClr val="accent1">
-              <a:shade val="50000"/>
-            </a:schemeClr>
-          </a:lnRef>
-          <a:fillRef idx="1">
-            <a:schemeClr val="accent1"/>
-          </a:fillRef>
-          <a:effectRef idx="0">
-            <a:schemeClr val="accent1"/>
-          </a:effectRef>
-          <a:fontRef idx="minor">
-            <a:schemeClr val="lt1"/>
-          </a:fontRef>
-        </p:style>
-        <p:txBody>
-          <a:bodyPr rtlCol="0" anchor="ctr"/>
-          <a:lstStyle/>
-          <a:p>
-            <a:pPr algn="ctr"/>
-            <a:endParaRPr lang="zh-CN" altLang="en-US">
-              <a:cs typeface="+mn-ea"/>
-              <a:sym typeface="+mn-lt"/>
-            </a:endParaRPr>
-          </a:p>
-        </p:txBody>
-      </p:sp>
-      <p:grpSp>
-        <p:nvGrpSpPr>
-          <p:cNvPr id="3" name="组合 2">
-            <a:extLst>
-              <a:ext uri="{FF2B5EF4-FFF2-40B4-BE49-F238E27FC236}">
-                <a16:creationId xmlns="" xmlns:a16="http://schemas.microsoft.com/office/drawing/2014/main" id="{CF3B8F59-C87E-48F7-911B-3FCC3B1922F9}"/>
-              </a:ext>
-            </a:extLst>
-          </p:cNvPr>
-          <p:cNvGrpSpPr/>
-          <p:nvPr/>
-        </p:nvGrpSpPr>
-        <p:grpSpPr>
-          <a:xfrm>
-            <a:off x="2562044" y="558999"/>
-            <a:ext cx="8445261" cy="976561"/>
-            <a:chOff x="203524" y="1991896"/>
-            <a:chExt cx="4914302" cy="1083521"/>
-          </a:xfrm>
-        </p:grpSpPr>
-        <p:sp>
-          <p:nvSpPr>
-            <p:cNvPr id="4" name="文本框 3">
-              <a:extLst>
-                <a:ext uri="{FF2B5EF4-FFF2-40B4-BE49-F238E27FC236}">
-                  <a16:creationId xmlns="" xmlns:a16="http://schemas.microsoft.com/office/drawing/2014/main" id="{F069F7C5-7C6B-4416-BA43-7E9FF2B95F70}"/>
-                </a:ext>
-              </a:extLst>
-            </p:cNvPr>
-            <p:cNvSpPr txBox="1"/>
-            <p:nvPr/>
-          </p:nvSpPr>
-          <p:spPr>
-            <a:xfrm>
-              <a:off x="203524" y="1991896"/>
-              <a:ext cx="4914302" cy="785419"/>
-            </a:xfrm>
-            <a:prstGeom prst="rect">
-              <a:avLst/>
-            </a:prstGeom>
-            <a:noFill/>
-          </p:spPr>
-          <p:txBody>
-            <a:bodyPr wrap="square" rtlCol="0">
-              <a:spAutoFit/>
-            </a:bodyPr>
-            <a:lstStyle/>
-            <a:p>
-              <a:r>
-                <a:rPr lang="en-US" altLang="zh-TW" sz="4000" spc="400" dirty="0" smtClean="0">
-                  <a:cs typeface="+mn-ea"/>
-                  <a:sym typeface="+mn-lt"/>
-                </a:rPr>
-                <a:t>	</a:t>
-              </a:r>
-              <a:r>
-                <a:rPr lang="zh-TW" altLang="en-US" sz="4000" dirty="0"/>
-                <a:t>規劃</a:t>
-              </a:r>
-              <a:r>
-                <a:rPr lang="zh-TW" altLang="en-US" sz="4000" dirty="0" smtClean="0"/>
-                <a:t>結果</a:t>
-              </a:r>
-              <a:r>
-                <a:rPr lang="en-US" altLang="zh-TW" sz="4000" dirty="0" smtClean="0"/>
-                <a:t>-</a:t>
-              </a:r>
-              <a:r>
-                <a:rPr lang="zh-TW" altLang="en-US" sz="4000" dirty="0"/>
-                <a:t>光</a:t>
-              </a:r>
-              <a:r>
-                <a:rPr lang="zh-TW" altLang="en-US" sz="4000" dirty="0" smtClean="0"/>
-                <a:t>溫控分析</a:t>
-              </a:r>
-              <a:endParaRPr lang="en-US" altLang="zh-TW" sz="4000" spc="400" dirty="0">
-                <a:cs typeface="+mn-ea"/>
-                <a:sym typeface="+mn-lt"/>
-              </a:endParaRPr>
-            </a:p>
-          </p:txBody>
-        </p:sp>
-        <p:sp>
-          <p:nvSpPr>
-            <p:cNvPr id="5" name="文本框 4">
-              <a:extLst>
-                <a:ext uri="{FF2B5EF4-FFF2-40B4-BE49-F238E27FC236}">
-                  <a16:creationId xmlns="" xmlns:a16="http://schemas.microsoft.com/office/drawing/2014/main" id="{E7404F6D-3A40-4203-8F0A-6169C74FB4CA}"/>
-                </a:ext>
-              </a:extLst>
-            </p:cNvPr>
-            <p:cNvSpPr txBox="1"/>
-            <p:nvPr/>
-          </p:nvSpPr>
-          <p:spPr>
-            <a:xfrm>
-              <a:off x="793749" y="2699782"/>
-              <a:ext cx="2832050" cy="375635"/>
-            </a:xfrm>
-            <a:prstGeom prst="rect">
-              <a:avLst/>
-            </a:prstGeom>
-            <a:noFill/>
-          </p:spPr>
-          <p:txBody>
-            <a:bodyPr wrap="square">
-              <a:spAutoFit/>
-            </a:bodyPr>
-            <a:lstStyle/>
-            <a:p>
-              <a:pPr algn="ctr"/>
-              <a:r>
-                <a:rPr lang="en-US" altLang="zh-TW" sz="1600" dirty="0">
-                  <a:cs typeface="+mn-ea"/>
-                  <a:sym typeface="+mn-lt"/>
-                </a:rPr>
-                <a:t>Project </a:t>
-              </a:r>
-              <a:r>
-                <a:rPr lang="en-US" altLang="zh-TW" sz="1600" dirty="0" smtClean="0">
-                  <a:cs typeface="+mn-ea"/>
-                  <a:sym typeface="+mn-lt"/>
-                </a:rPr>
-                <a:t>planning</a:t>
-              </a:r>
-              <a:endParaRPr lang="zh-CN" altLang="en-US" sz="1600" dirty="0">
-                <a:cs typeface="+mn-ea"/>
-                <a:sym typeface="+mn-lt"/>
-              </a:endParaRPr>
-            </a:p>
-          </p:txBody>
-        </p:sp>
-      </p:grpSp>
-      <p:pic>
-        <p:nvPicPr>
-          <p:cNvPr id="2051" name="Picture 3"/>
-          <p:cNvPicPr>
-            <a:picLocks noChangeAspect="1" noChangeArrowheads="1"/>
-          </p:cNvPicPr>
-          <p:nvPr/>
-        </p:nvPicPr>
-        <p:blipFill>
-          <a:blip r:embed="rId3">
-            <a:extLst>
-              <a:ext uri="{28A0092B-C50C-407E-A947-70E740481C1C}">
-                <a14:useLocalDpi xmlns:a14="http://schemas.microsoft.com/office/drawing/2010/main" val="0"/>
-              </a:ext>
-            </a:extLst>
-          </a:blip>
-          <a:srcRect/>
-          <a:stretch>
-            <a:fillRect/>
-          </a:stretch>
-        </p:blipFill>
-        <p:spPr bwMode="auto">
-          <a:xfrm>
-            <a:off x="5240956" y="3674854"/>
-            <a:ext cx="6951044" cy="3017508"/>
-          </a:xfrm>
-          <a:prstGeom prst="rect">
-            <a:avLst/>
-          </a:prstGeom>
-          <a:noFill/>
-          <a:ln>
-            <a:noFill/>
-          </a:ln>
-          <a:extLst>
-            <a:ext uri="{909E8E84-426E-40DD-AFC4-6F175D3DCCD1}">
-              <a14:hiddenFill xmlns:a14="http://schemas.microsoft.com/office/drawing/2010/main">
-                <a:solidFill>
-                  <a:schemeClr val="accent1"/>
-                </a:solidFill>
-              </a14:hiddenFill>
-            </a:ext>
-            <a:ext uri="{91240B29-F687-4F45-9708-019B960494DF}">
-              <a14:hiddenLine xmlns:a14="http://schemas.microsoft.com/office/drawing/2010/main" w="9525">
-                <a:solidFill>
-                  <a:schemeClr val="tx1"/>
-                </a:solidFill>
-                <a:miter lim="800000"/>
-                <a:headEnd/>
-                <a:tailEnd/>
-              </a14:hiddenLine>
-            </a:ext>
-          </a:extLst>
-        </p:spPr>
-      </p:pic>
-      <p:sp>
-        <p:nvSpPr>
-          <p:cNvPr id="6" name="矩形 5"/>
-          <p:cNvSpPr/>
-          <p:nvPr/>
-        </p:nvSpPr>
-        <p:spPr>
-          <a:xfrm>
-            <a:off x="5840082" y="2530819"/>
-            <a:ext cx="5063705" cy="762110"/>
-          </a:xfrm>
-          <a:prstGeom prst="rect">
-            <a:avLst/>
-          </a:prstGeom>
-        </p:spPr>
-        <p:style>
-          <a:lnRef idx="2">
-            <a:schemeClr val="accent1">
-              <a:shade val="50000"/>
-            </a:schemeClr>
-          </a:lnRef>
-          <a:fillRef idx="1">
-            <a:schemeClr val="accent1"/>
-          </a:fillRef>
-          <a:effectRef idx="0">
-            <a:schemeClr val="accent1"/>
-          </a:effectRef>
-          <a:fontRef idx="minor">
-            <a:schemeClr val="lt1"/>
-          </a:fontRef>
-        </p:style>
-        <p:txBody>
-          <a:bodyPr rtlCol="0" anchor="ctr"/>
-          <a:lstStyle/>
-          <a:p>
-            <a:pPr algn="ctr"/>
-            <a:r>
-              <a:rPr lang="zh-TW" altLang="en-US" dirty="0"/>
-              <a:t>切換</a:t>
-            </a:r>
-            <a:r>
-              <a:rPr lang="zh-TW" altLang="en-US" dirty="0" smtClean="0"/>
-              <a:t>表單時，光溫控分析不會變</a:t>
-            </a:r>
-            <a:r>
-              <a:rPr lang="en-US" altLang="zh-TW" dirty="0" smtClean="0"/>
-              <a:t>(</a:t>
-            </a:r>
-            <a:r>
-              <a:rPr lang="zh-TW" altLang="en-US" dirty="0" smtClean="0"/>
-              <a:t>已解決</a:t>
-            </a:r>
-            <a:r>
-              <a:rPr lang="en-US" altLang="zh-TW" dirty="0" smtClean="0"/>
-              <a:t>)</a:t>
-            </a:r>
-          </a:p>
-        </p:txBody>
-      </p:sp>
-      <p:pic>
-        <p:nvPicPr>
-          <p:cNvPr id="2052" name="Picture 4"/>
-          <p:cNvPicPr>
-            <a:picLocks noChangeAspect="1" noChangeArrowheads="1"/>
-          </p:cNvPicPr>
-          <p:nvPr/>
-        </p:nvPicPr>
-        <p:blipFill>
-          <a:blip r:embed="rId4">
-            <a:extLst>
-              <a:ext uri="{28A0092B-C50C-407E-A947-70E740481C1C}">
-                <a14:useLocalDpi xmlns:a14="http://schemas.microsoft.com/office/drawing/2010/main" val="0"/>
-              </a:ext>
-            </a:extLst>
-          </a:blip>
-          <a:srcRect/>
-          <a:stretch>
-            <a:fillRect/>
-          </a:stretch>
-        </p:blipFill>
-        <p:spPr bwMode="auto">
-          <a:xfrm>
-            <a:off x="77638" y="1721880"/>
-            <a:ext cx="5581290" cy="2379987"/>
-          </a:xfrm>
-          <a:prstGeom prst="rect">
-            <a:avLst/>
-          </a:prstGeom>
-          <a:noFill/>
-          <a:ln>
-            <a:noFill/>
-          </a:ln>
-          <a:extLst>
-            <a:ext uri="{909E8E84-426E-40DD-AFC4-6F175D3DCCD1}">
-              <a14:hiddenFill xmlns:a14="http://schemas.microsoft.com/office/drawing/2010/main">
-                <a:solidFill>
-                  <a:schemeClr val="accent1"/>
-                </a:solidFill>
-              </a14:hiddenFill>
-            </a:ext>
-            <a:ext uri="{91240B29-F687-4F45-9708-019B960494DF}">
-              <a14:hiddenLine xmlns:a14="http://schemas.microsoft.com/office/drawing/2010/main" w="9525">
-                <a:solidFill>
-                  <a:schemeClr val="tx1"/>
-                </a:solidFill>
-                <a:miter lim="800000"/>
-                <a:headEnd/>
-                <a:tailEnd/>
-              </a14:hiddenLine>
-            </a:ext>
-          </a:extLst>
-        </p:spPr>
-      </p:pic>
-    </p:spTree>
-    <p:extLst>
-      <p:ext uri="{BB962C8B-B14F-4D97-AF65-F5344CB8AC3E}">
-        <p14:creationId xmlns:p14="http://schemas.microsoft.com/office/powerpoint/2010/main" val="920467477"/>
-      </p:ext>
-    </p:extLst>
-  </p:cSld>
-  <p:clrMapOvr>
-    <a:masterClrMapping/>
-  </p:clrMapOvr>
-  <mc:AlternateContent xmlns:mc="http://schemas.openxmlformats.org/markup-compatibility/2006" xmlns:p14="http://schemas.microsoft.com/office/powerpoint/2010/main">
-    <mc:Choice Requires="p14">
-      <p:transition spd="slow" p14:dur="1500">
-        <p:random/>
-      </p:transition>
-    </mc:Choice>
-    <mc:Fallback xmlns="">
-      <p:transition spd="slow">
-        <p:random/>
-      </p:transition>
-    </mc:Fallback>
-  </mc:AlternateContent>
-  <p:timing>
-    <p:tnLst>
-      <p:par>
-        <p:cTn id="1" dur="indefinite" restart="never" nodeType="tmRoot">
-          <p:childTnLst>
-            <p:seq concurrent="1" nextAc="seek">
-              <p:cTn id="2" dur="indefinite" nodeType="mainSeq">
-                <p:childTnLst>
-                  <p:par>
-                    <p:cTn id="3" fill="hold">
-                      <p:stCondLst>
-                        <p:cond delay="indefinite"/>
-                      </p:stCondLst>
-                      <p:childTnLst>
-                        <p:par>
-                          <p:cTn id="4" fill="hold">
-                            <p:stCondLst>
-                              <p:cond delay="0"/>
-                            </p:stCondLst>
-                            <p:childTnLst>
-                              <p:par>
-                                <p:cTn id="5" presetID="16" presetClass="entr" presetSubtype="37" fill="hold" grpId="0" nodeType="clickEffect">
-                                  <p:stCondLst>
-                                    <p:cond delay="0"/>
-                                  </p:stCondLst>
-                                  <p:childTnLst>
-                                    <p:set>
-                                      <p:cBhvr>
-                                        <p:cTn id="6" dur="1" fill="hold">
-                                          <p:stCondLst>
-                                            <p:cond delay="0"/>
-                                          </p:stCondLst>
-                                        </p:cTn>
-                                        <p:tgtEl>
-                                          <p:spTgt spid="2"/>
-                                        </p:tgtEl>
-                                        <p:attrNameLst>
-                                          <p:attrName>style.visibility</p:attrName>
-                                        </p:attrNameLst>
-                                      </p:cBhvr>
-                                      <p:to>
-                                        <p:strVal val="visible"/>
-                                      </p:to>
-                                    </p:set>
-                                    <p:animEffect transition="in" filter="barn(outVertical)">
-                                      <p:cBhvr>
-                                        <p:cTn id="7" dur="500"/>
-                                        <p:tgtEl>
-                                          <p:spTgt spid="2"/>
-                                        </p:tgtEl>
-                                      </p:cBhvr>
-                                    </p:animEffect>
-                                  </p:childTnLst>
-                                </p:cTn>
-                              </p:par>
-                            </p:childTnLst>
-                          </p:cTn>
-                        </p:par>
-                      </p:childTnLst>
-                    </p:cTn>
-                  </p:par>
-                  <p:par>
-                    <p:cTn id="8" fill="hold">
-                      <p:stCondLst>
-                        <p:cond delay="indefinite"/>
-                      </p:stCondLst>
-                      <p:childTnLst>
-                        <p:par>
-                          <p:cTn id="9" fill="hold">
-                            <p:stCondLst>
-                              <p:cond delay="0"/>
-                            </p:stCondLst>
-                            <p:childTnLst>
-                              <p:par>
-                                <p:cTn id="10" presetID="22" presetClass="entr" presetSubtype="8" fill="hold" nodeType="clickEffect">
-                                  <p:stCondLst>
-                                    <p:cond delay="0"/>
-                                  </p:stCondLst>
-                                  <p:childTnLst>
-                                    <p:set>
-                                      <p:cBhvr>
-                                        <p:cTn id="11" dur="1" fill="hold">
-                                          <p:stCondLst>
-                                            <p:cond delay="0"/>
-                                          </p:stCondLst>
-                                        </p:cTn>
-                                        <p:tgtEl>
-                                          <p:spTgt spid="3"/>
-                                        </p:tgtEl>
-                                        <p:attrNameLst>
-                                          <p:attrName>style.visibility</p:attrName>
-                                        </p:attrNameLst>
-                                      </p:cBhvr>
-                                      <p:to>
-                                        <p:strVal val="visible"/>
-                                      </p:to>
-                                    </p:set>
-                                    <p:animEffect transition="in" filter="wipe(left)">
-                                      <p:cBhvr>
-                                        <p:cTn id="12" dur="500"/>
-                                        <p:tgtEl>
-                                          <p:spTgt spid="3"/>
-                                        </p:tgtEl>
-                                      </p:cBhvr>
-                                    </p:animEffect>
-                                  </p:childTnLst>
-                                </p:cTn>
-                              </p:par>
-                            </p:childTnLst>
-                          </p:cTn>
-                        </p:par>
-                      </p:childTnLst>
-                    </p:cTn>
-                  </p:par>
-                </p:childTnLst>
-              </p:cTn>
-              <p:prevCondLst>
-                <p:cond evt="onPrev" delay="0">
-                  <p:tgtEl>
-                    <p:sldTgt/>
-                  </p:tgtEl>
-                </p:cond>
-              </p:prevCondLst>
-              <p:nextCondLst>
-                <p:cond evt="onNext" delay="0">
-                  <p:tgtEl>
-                    <p:sldTgt/>
-                  </p:tgtEl>
-                </p:cond>
-              </p:nextCondLst>
-            </p:seq>
-          </p:childTnLst>
-        </p:cTn>
-      </p:par>
-    </p:tnLst>
-    <p:bldLst>
-      <p:bldP spid="2" grpId="0" animBg="1"/>
-    </p:bldLst>
-  </p:timing>
-</p:sld>
-</file>
-
-<file path=ppt/slides/slide6.xml><?xml version="1.0" encoding="utf-8"?>
-<p:sld xmlns:a="http://schemas.openxmlformats.org/drawingml/2006/main" xmlns:r="http://schemas.openxmlformats.org/officeDocument/2006/relationships" xmlns:p="http://schemas.openxmlformats.org/presentationml/2006/main">
-  <p:cSld>
-    <p:spTree>
-      <p:nvGrpSpPr>
-        <p:cNvPr id="1" name=""/>
-        <p:cNvGrpSpPr/>
-        <p:nvPr/>
-      </p:nvGrpSpPr>
-      <p:grpSpPr>
-        <a:xfrm>
-          <a:off x="0" y="0"/>
-          <a:ext cx="0" cy="0"/>
-          <a:chOff x="0" y="0"/>
-          <a:chExt cx="0" cy="0"/>
-        </a:xfrm>
-      </p:grpSpPr>
-      <p:sp>
-        <p:nvSpPr>
-          <p:cNvPr id="2" name="矩形 1">
-            <a:extLst>
-              <a:ext uri="{FF2B5EF4-FFF2-40B4-BE49-F238E27FC236}">
-                <a16:creationId xmlns="" xmlns:a16="http://schemas.microsoft.com/office/drawing/2014/main" id="{6130B33B-FCB5-4AFA-8175-BA08126D80E1}"/>
-              </a:ext>
-            </a:extLst>
-          </p:cNvPr>
-          <p:cNvSpPr/>
-          <p:nvPr/>
-        </p:nvSpPr>
-        <p:spPr>
-          <a:xfrm>
-            <a:off x="5029196" y="265030"/>
-            <a:ext cx="2133600" cy="228600"/>
-          </a:xfrm>
-          <a:prstGeom prst="rect">
-            <a:avLst/>
-          </a:prstGeom>
-          <a:solidFill>
-            <a:schemeClr val="tx1">
-              <a:lumMod val="75000"/>
-              <a:lumOff val="25000"/>
-            </a:schemeClr>
-          </a:solidFill>
-          <a:ln>
-            <a:noFill/>
-          </a:ln>
-        </p:spPr>
-        <p:style>
-          <a:lnRef idx="2">
-            <a:schemeClr val="accent1">
-              <a:shade val="50000"/>
-            </a:schemeClr>
-          </a:lnRef>
-          <a:fillRef idx="1">
-            <a:schemeClr val="accent1"/>
-          </a:fillRef>
-          <a:effectRef idx="0">
-            <a:schemeClr val="accent1"/>
-          </a:effectRef>
-          <a:fontRef idx="minor">
-            <a:schemeClr val="lt1"/>
-          </a:fontRef>
-        </p:style>
-        <p:txBody>
-          <a:bodyPr rtlCol="0" anchor="ctr"/>
-          <a:lstStyle/>
-          <a:p>
-            <a:pPr algn="ctr"/>
-            <a:endParaRPr lang="zh-CN" altLang="en-US">
-              <a:cs typeface="+mn-ea"/>
-              <a:sym typeface="+mn-lt"/>
-            </a:endParaRPr>
-          </a:p>
-        </p:txBody>
-      </p:sp>
-      <p:grpSp>
-        <p:nvGrpSpPr>
-          <p:cNvPr id="3" name="组合 2">
-            <a:extLst>
-              <a:ext uri="{FF2B5EF4-FFF2-40B4-BE49-F238E27FC236}">
-                <a16:creationId xmlns="" xmlns:a16="http://schemas.microsoft.com/office/drawing/2014/main" id="{CF3B8F59-C87E-48F7-911B-3FCC3B1922F9}"/>
-              </a:ext>
-            </a:extLst>
-          </p:cNvPr>
-          <p:cNvGrpSpPr/>
-          <p:nvPr/>
-        </p:nvGrpSpPr>
-        <p:grpSpPr>
-          <a:xfrm>
-            <a:off x="3183147" y="558998"/>
-            <a:ext cx="7824158" cy="1323439"/>
-            <a:chOff x="564944" y="1991896"/>
-            <a:chExt cx="4552882" cy="1468392"/>
-          </a:xfrm>
-        </p:grpSpPr>
-        <p:sp>
-          <p:nvSpPr>
-            <p:cNvPr id="4" name="文本框 3">
-              <a:extLst>
-                <a:ext uri="{FF2B5EF4-FFF2-40B4-BE49-F238E27FC236}">
-                  <a16:creationId xmlns="" xmlns:a16="http://schemas.microsoft.com/office/drawing/2014/main" id="{F069F7C5-7C6B-4416-BA43-7E9FF2B95F70}"/>
-                </a:ext>
-              </a:extLst>
-            </p:cNvPr>
-            <p:cNvSpPr txBox="1"/>
-            <p:nvPr/>
-          </p:nvSpPr>
-          <p:spPr>
-            <a:xfrm>
-              <a:off x="564944" y="1991896"/>
-              <a:ext cx="4552882" cy="1468392"/>
-            </a:xfrm>
-            <a:prstGeom prst="rect">
-              <a:avLst/>
-            </a:prstGeom>
-            <a:noFill/>
-          </p:spPr>
-          <p:txBody>
-            <a:bodyPr wrap="square" rtlCol="0">
-              <a:spAutoFit/>
-            </a:bodyPr>
-            <a:lstStyle/>
-            <a:p>
-              <a:r>
-                <a:rPr lang="en-US" altLang="zh-TW" sz="4000" spc="400" dirty="0" smtClean="0">
-                  <a:cs typeface="+mn-ea"/>
-                  <a:sym typeface="+mn-lt"/>
-                </a:rPr>
-                <a:t>	</a:t>
-              </a:r>
-              <a:r>
-                <a:rPr lang="zh-TW" altLang="en-US" sz="4000" spc="400" dirty="0">
-                  <a:cs typeface="+mn-ea"/>
-                  <a:sym typeface="+mn-lt"/>
-                </a:rPr>
-                <a:t>新增</a:t>
-              </a:r>
-              <a:r>
-                <a:rPr lang="en-US" altLang="zh-TW" sz="4000" spc="400" dirty="0">
-                  <a:cs typeface="+mn-ea"/>
-                  <a:sym typeface="+mn-lt"/>
-                </a:rPr>
-                <a:t>co2</a:t>
-              </a:r>
-              <a:r>
-                <a:rPr lang="zh-TW" altLang="en-US" sz="4000" spc="400" dirty="0">
-                  <a:cs typeface="+mn-ea"/>
-                  <a:sym typeface="+mn-lt"/>
-                </a:rPr>
-                <a:t>增產率</a:t>
-              </a:r>
-              <a:endParaRPr lang="en-US" altLang="zh-TW" sz="4000" spc="400" dirty="0">
-                <a:cs typeface="+mn-ea"/>
-                <a:sym typeface="+mn-lt"/>
-              </a:endParaRPr>
-            </a:p>
-            <a:p>
-              <a:endParaRPr lang="en-US" altLang="zh-TW" sz="4000" spc="400" dirty="0">
-                <a:cs typeface="+mn-ea"/>
-                <a:sym typeface="+mn-lt"/>
-              </a:endParaRPr>
-            </a:p>
-          </p:txBody>
-        </p:sp>
-        <p:sp>
-          <p:nvSpPr>
-            <p:cNvPr id="5" name="文本框 4">
-              <a:extLst>
-                <a:ext uri="{FF2B5EF4-FFF2-40B4-BE49-F238E27FC236}">
-                  <a16:creationId xmlns="" xmlns:a16="http://schemas.microsoft.com/office/drawing/2014/main" id="{E7404F6D-3A40-4203-8F0A-6169C74FB4CA}"/>
-                </a:ext>
-              </a:extLst>
-            </p:cNvPr>
-            <p:cNvSpPr txBox="1"/>
-            <p:nvPr/>
-          </p:nvSpPr>
-          <p:spPr>
-            <a:xfrm>
-              <a:off x="793749" y="2699782"/>
-              <a:ext cx="2832050" cy="375635"/>
-            </a:xfrm>
-            <a:prstGeom prst="rect">
-              <a:avLst/>
-            </a:prstGeom>
-            <a:noFill/>
-          </p:spPr>
-          <p:txBody>
-            <a:bodyPr wrap="square">
-              <a:spAutoFit/>
-            </a:bodyPr>
-            <a:lstStyle/>
-            <a:p>
-              <a:pPr algn="ctr"/>
-              <a:r>
-                <a:rPr lang="en-US" altLang="zh-TW" sz="1600" dirty="0">
-                  <a:cs typeface="+mn-ea"/>
-                  <a:sym typeface="+mn-lt"/>
-                </a:rPr>
-                <a:t>Project </a:t>
-              </a:r>
-              <a:r>
-                <a:rPr lang="en-US" altLang="zh-TW" sz="1600" dirty="0" smtClean="0">
-                  <a:cs typeface="+mn-ea"/>
-                  <a:sym typeface="+mn-lt"/>
-                </a:rPr>
-                <a:t>planning</a:t>
-              </a:r>
-              <a:endParaRPr lang="zh-CN" altLang="en-US" sz="1600" dirty="0">
-                <a:cs typeface="+mn-ea"/>
-                <a:sym typeface="+mn-lt"/>
-              </a:endParaRPr>
-            </a:p>
-          </p:txBody>
-        </p:sp>
-      </p:grpSp>
-      <p:pic>
-        <p:nvPicPr>
-          <p:cNvPr id="3074" name="Picture 2"/>
-          <p:cNvPicPr>
-            <a:picLocks noChangeAspect="1" noChangeArrowheads="1"/>
-          </p:cNvPicPr>
-          <p:nvPr/>
-        </p:nvPicPr>
-        <p:blipFill>
-          <a:blip r:embed="rId3">
-            <a:extLst>
-              <a:ext uri="{28A0092B-C50C-407E-A947-70E740481C1C}">
-                <a14:useLocalDpi xmlns:a14="http://schemas.microsoft.com/office/drawing/2010/main" val="0"/>
-              </a:ext>
-            </a:extLst>
-          </a:blip>
-          <a:srcRect/>
-          <a:stretch>
-            <a:fillRect/>
-          </a:stretch>
-        </p:blipFill>
-        <p:spPr bwMode="auto">
-          <a:xfrm>
-            <a:off x="79131" y="1927091"/>
-            <a:ext cx="11132772" cy="3662826"/>
-          </a:xfrm>
-          <a:prstGeom prst="rect">
-            <a:avLst/>
-          </a:prstGeom>
-          <a:noFill/>
-          <a:ln>
-            <a:noFill/>
-          </a:ln>
-          <a:extLst>
-            <a:ext uri="{909E8E84-426E-40DD-AFC4-6F175D3DCCD1}">
-              <a14:hiddenFill xmlns:a14="http://schemas.microsoft.com/office/drawing/2010/main">
-                <a:solidFill>
-                  <a:schemeClr val="accent1"/>
-                </a:solidFill>
-              </a14:hiddenFill>
-            </a:ext>
-            <a:ext uri="{91240B29-F687-4F45-9708-019B960494DF}">
-              <a14:hiddenLine xmlns:a14="http://schemas.microsoft.com/office/drawing/2010/main" w="9525">
-                <a:solidFill>
-                  <a:schemeClr val="tx1"/>
-                </a:solidFill>
-                <a:miter lim="800000"/>
-                <a:headEnd/>
-                <a:tailEnd/>
-              </a14:hiddenLine>
-            </a:ext>
-          </a:extLst>
-        </p:spPr>
-      </p:pic>
-      <p:sp>
-        <p:nvSpPr>
-          <p:cNvPr id="7" name="矩形 6"/>
-          <p:cNvSpPr/>
-          <p:nvPr/>
-        </p:nvSpPr>
-        <p:spPr>
-          <a:xfrm>
-            <a:off x="3183147" y="4977442"/>
-            <a:ext cx="6590581" cy="491705"/>
-          </a:xfrm>
-          <a:prstGeom prst="rect">
-            <a:avLst/>
-          </a:prstGeom>
-          <a:noFill/>
-          <a:ln w="38100">
-            <a:solidFill>
-              <a:srgbClr val="FF0000"/>
-            </a:solidFill>
-          </a:ln>
-        </p:spPr>
-        <p:style>
-          <a:lnRef idx="2">
-            <a:schemeClr val="accent1">
-              <a:shade val="50000"/>
-            </a:schemeClr>
-          </a:lnRef>
-          <a:fillRef idx="1">
-            <a:schemeClr val="accent1"/>
-          </a:fillRef>
-          <a:effectRef idx="0">
-            <a:schemeClr val="accent1"/>
-          </a:effectRef>
-          <a:fontRef idx="minor">
-            <a:schemeClr val="lt1"/>
-          </a:fontRef>
-        </p:style>
-        <p:txBody>
-          <a:bodyPr rtlCol="0" anchor="ctr"/>
-          <a:lstStyle/>
-          <a:p>
-            <a:pPr algn="ctr"/>
-            <a:endParaRPr lang="zh-TW" altLang="en-US"/>
-          </a:p>
-        </p:txBody>
-      </p:sp>
-      <p:sp>
-        <p:nvSpPr>
-          <p:cNvPr id="8" name="矩形 7"/>
-          <p:cNvSpPr/>
-          <p:nvPr/>
-        </p:nvSpPr>
-        <p:spPr>
-          <a:xfrm>
-            <a:off x="4701396" y="5779698"/>
-            <a:ext cx="4304581" cy="483079"/>
-          </a:xfrm>
-          <a:prstGeom prst="rect">
-            <a:avLst/>
-          </a:prstGeom>
-        </p:spPr>
-        <p:style>
-          <a:lnRef idx="2">
-            <a:schemeClr val="accent1">
-              <a:shade val="50000"/>
-            </a:schemeClr>
-          </a:lnRef>
-          <a:fillRef idx="1">
-            <a:schemeClr val="accent1"/>
-          </a:fillRef>
-          <a:effectRef idx="0">
-            <a:schemeClr val="accent1"/>
-          </a:effectRef>
-          <a:fontRef idx="minor">
-            <a:schemeClr val="lt1"/>
-          </a:fontRef>
-        </p:style>
-        <p:txBody>
-          <a:bodyPr rtlCol="0" anchor="ctr"/>
-          <a:lstStyle/>
-          <a:p>
-            <a:pPr algn="ctr"/>
-            <a:r>
-              <a:rPr lang="zh-TW" altLang="en-US" dirty="0" smtClean="0"/>
-              <a:t>切換表單時 ，未能出現</a:t>
-            </a:r>
-            <a:r>
-              <a:rPr lang="en-US" altLang="zh-TW" dirty="0" smtClean="0"/>
-              <a:t>CO2(</a:t>
-            </a:r>
-            <a:r>
-              <a:rPr lang="zh-TW" altLang="en-US" dirty="0" smtClean="0"/>
-              <a:t>已解決</a:t>
-            </a:r>
-            <a:r>
-              <a:rPr lang="en-US" altLang="zh-TW" dirty="0" smtClean="0"/>
-              <a:t>)</a:t>
-            </a:r>
-            <a:endParaRPr lang="zh-TW" altLang="en-US" dirty="0"/>
-          </a:p>
-        </p:txBody>
-      </p:sp>
-    </p:spTree>
-    <p:extLst>
-      <p:ext uri="{BB962C8B-B14F-4D97-AF65-F5344CB8AC3E}">
-        <p14:creationId xmlns:p14="http://schemas.microsoft.com/office/powerpoint/2010/main" val="834702116"/>
-      </p:ext>
-    </p:extLst>
-  </p:cSld>
-  <p:clrMapOvr>
-    <a:masterClrMapping/>
-  </p:clrMapOvr>
-  <mc:AlternateContent xmlns:mc="http://schemas.openxmlformats.org/markup-compatibility/2006" xmlns:p14="http://schemas.microsoft.com/office/powerpoint/2010/main">
-    <mc:Choice Requires="p14">
-      <p:transition spd="slow" p14:dur="1500">
-        <p:random/>
-      </p:transition>
-    </mc:Choice>
-    <mc:Fallback xmlns="">
-      <p:transition spd="slow">
-        <p:random/>
-      </p:transition>
-    </mc:Fallback>
-  </mc:AlternateContent>
-  <p:timing>
-    <p:tnLst>
-      <p:par>
-        <p:cTn id="1" dur="indefinite" restart="never" nodeType="tmRoot">
-          <p:childTnLst>
-            <p:seq concurrent="1" nextAc="seek">
-              <p:cTn id="2" dur="indefinite" nodeType="mainSeq">
-                <p:childTnLst>
-                  <p:par>
-                    <p:cTn id="3" fill="hold">
-                      <p:stCondLst>
-                        <p:cond delay="indefinite"/>
-                      </p:stCondLst>
-                      <p:childTnLst>
-                        <p:par>
-                          <p:cTn id="4" fill="hold">
-                            <p:stCondLst>
-                              <p:cond delay="0"/>
-                            </p:stCondLst>
-                            <p:childTnLst>
-                              <p:par>
-                                <p:cTn id="5" presetID="16" presetClass="entr" presetSubtype="37" fill="hold" grpId="0" nodeType="clickEffect">
-                                  <p:stCondLst>
-                                    <p:cond delay="0"/>
-                                  </p:stCondLst>
-                                  <p:childTnLst>
-                                    <p:set>
-                                      <p:cBhvr>
-                                        <p:cTn id="6" dur="1" fill="hold">
-                                          <p:stCondLst>
-                                            <p:cond delay="0"/>
-                                          </p:stCondLst>
-                                        </p:cTn>
-                                        <p:tgtEl>
-                                          <p:spTgt spid="2"/>
-                                        </p:tgtEl>
-                                        <p:attrNameLst>
-                                          <p:attrName>style.visibility</p:attrName>
-                                        </p:attrNameLst>
-                                      </p:cBhvr>
-                                      <p:to>
-                                        <p:strVal val="visible"/>
-                                      </p:to>
-                                    </p:set>
-                                    <p:animEffect transition="in" filter="barn(outVertical)">
-                                      <p:cBhvr>
-                                        <p:cTn id="7" dur="500"/>
-                                        <p:tgtEl>
-                                          <p:spTgt spid="2"/>
-                                        </p:tgtEl>
-                                      </p:cBhvr>
-                                    </p:animEffect>
-                                  </p:childTnLst>
-                                </p:cTn>
-                              </p:par>
-                            </p:childTnLst>
-                          </p:cTn>
-                        </p:par>
-                      </p:childTnLst>
-                    </p:cTn>
-                  </p:par>
-                  <p:par>
-                    <p:cTn id="8" fill="hold">
-                      <p:stCondLst>
-                        <p:cond delay="indefinite"/>
-                      </p:stCondLst>
-                      <p:childTnLst>
-                        <p:par>
-                          <p:cTn id="9" fill="hold">
-                            <p:stCondLst>
-                              <p:cond delay="0"/>
-                            </p:stCondLst>
-                            <p:childTnLst>
-                              <p:par>
-                                <p:cTn id="10" presetID="22" presetClass="entr" presetSubtype="8" fill="hold" nodeType="clickEffect">
-                                  <p:stCondLst>
-                                    <p:cond delay="0"/>
-                                  </p:stCondLst>
-                                  <p:childTnLst>
-                                    <p:set>
-                                      <p:cBhvr>
-                                        <p:cTn id="11" dur="1" fill="hold">
-                                          <p:stCondLst>
-                                            <p:cond delay="0"/>
-                                          </p:stCondLst>
-                                        </p:cTn>
-                                        <p:tgtEl>
-                                          <p:spTgt spid="3"/>
-                                        </p:tgtEl>
-                                        <p:attrNameLst>
-                                          <p:attrName>style.visibility</p:attrName>
-                                        </p:attrNameLst>
-                                      </p:cBhvr>
-                                      <p:to>
-                                        <p:strVal val="visible"/>
-                                      </p:to>
-                                    </p:set>
-                                    <p:animEffect transition="in" filter="wipe(left)">
-                                      <p:cBhvr>
-                                        <p:cTn id="12" dur="500"/>
-                                        <p:tgtEl>
-                                          <p:spTgt spid="3"/>
-                                        </p:tgtEl>
-                                      </p:cBhvr>
-                                    </p:animEffect>
-                                  </p:childTnLst>
-                                </p:cTn>
-                              </p:par>
-                            </p:childTnLst>
-                          </p:cTn>
-                        </p:par>
-                      </p:childTnLst>
-                    </p:cTn>
-                  </p:par>
-                </p:childTnLst>
-              </p:cTn>
-              <p:prevCondLst>
-                <p:cond evt="onPrev" delay="0">
-                  <p:tgtEl>
-                    <p:sldTgt/>
-                  </p:tgtEl>
-                </p:cond>
-              </p:prevCondLst>
-              <p:nextCondLst>
-                <p:cond evt="onNext" delay="0">
-                  <p:tgtEl>
-                    <p:sldTgt/>
-                  </p:tgtEl>
-                </p:cond>
-              </p:nextCondLst>
-            </p:seq>
-          </p:childTnLst>
-        </p:cTn>
-      </p:par>
-    </p:tnLst>
-    <p:bldLst>
-      <p:bldP spid="2" grpId="0" animBg="1"/>
-    </p:bldLst>
-  </p:timing>
-</p:sld>
-</file>
-
-<file path=ppt/slides/slide7.xml><?xml version="1.0" encoding="utf-8"?>
-<p:sld xmlns:a="http://schemas.openxmlformats.org/drawingml/2006/main" xmlns:r="http://schemas.openxmlformats.org/officeDocument/2006/relationships" xmlns:p="http://schemas.openxmlformats.org/presentationml/2006/main">
-  <p:cSld>
-    <p:spTree>
-      <p:nvGrpSpPr>
-        <p:cNvPr id="1" name=""/>
-        <p:cNvGrpSpPr/>
-        <p:nvPr/>
-      </p:nvGrpSpPr>
-      <p:grpSpPr>
-        <a:xfrm>
-          <a:off x="0" y="0"/>
-          <a:ext cx="0" cy="0"/>
-          <a:chOff x="0" y="0"/>
-          <a:chExt cx="0" cy="0"/>
-        </a:xfrm>
-      </p:grpSpPr>
-      <p:sp>
-        <p:nvSpPr>
-          <p:cNvPr id="2" name="矩形 1">
-            <a:extLst>
-              <a:ext uri="{FF2B5EF4-FFF2-40B4-BE49-F238E27FC236}">
-                <a16:creationId xmlns="" xmlns:a16="http://schemas.microsoft.com/office/drawing/2014/main" id="{6130B33B-FCB5-4AFA-8175-BA08126D80E1}"/>
-              </a:ext>
-            </a:extLst>
-          </p:cNvPr>
-          <p:cNvSpPr/>
-          <p:nvPr/>
-        </p:nvSpPr>
-        <p:spPr>
-          <a:xfrm>
-            <a:off x="5029196" y="265030"/>
-            <a:ext cx="2133600" cy="228600"/>
-          </a:xfrm>
-          <a:prstGeom prst="rect">
-            <a:avLst/>
-          </a:prstGeom>
-          <a:solidFill>
-            <a:schemeClr val="tx1">
-              <a:lumMod val="75000"/>
-              <a:lumOff val="25000"/>
-            </a:schemeClr>
-          </a:solidFill>
-          <a:ln>
-            <a:noFill/>
-          </a:ln>
-        </p:spPr>
-        <p:style>
-          <a:lnRef idx="2">
-            <a:schemeClr val="accent1">
-              <a:shade val="50000"/>
-            </a:schemeClr>
-          </a:lnRef>
-          <a:fillRef idx="1">
-            <a:schemeClr val="accent1"/>
-          </a:fillRef>
-          <a:effectRef idx="0">
-            <a:schemeClr val="accent1"/>
-          </a:effectRef>
-          <a:fontRef idx="minor">
-            <a:schemeClr val="lt1"/>
-          </a:fontRef>
-        </p:style>
-        <p:txBody>
-          <a:bodyPr rtlCol="0" anchor="ctr"/>
-          <a:lstStyle/>
-          <a:p>
-            <a:pPr algn="ctr"/>
-            <a:endParaRPr lang="zh-CN" altLang="en-US">
-              <a:cs typeface="+mn-ea"/>
-              <a:sym typeface="+mn-lt"/>
-            </a:endParaRPr>
-          </a:p>
-        </p:txBody>
-      </p:sp>
-      <p:grpSp>
-        <p:nvGrpSpPr>
-          <p:cNvPr id="3" name="组合 2">
-            <a:extLst>
-              <a:ext uri="{FF2B5EF4-FFF2-40B4-BE49-F238E27FC236}">
-                <a16:creationId xmlns="" xmlns:a16="http://schemas.microsoft.com/office/drawing/2014/main" id="{CF3B8F59-C87E-48F7-911B-3FCC3B1922F9}"/>
-              </a:ext>
-            </a:extLst>
-          </p:cNvPr>
-          <p:cNvGrpSpPr/>
-          <p:nvPr/>
-        </p:nvGrpSpPr>
-        <p:grpSpPr>
-          <a:xfrm>
-            <a:off x="3183147" y="558998"/>
-            <a:ext cx="7824158" cy="1323439"/>
-            <a:chOff x="564944" y="1991896"/>
-            <a:chExt cx="4552882" cy="1468392"/>
-          </a:xfrm>
-        </p:grpSpPr>
-        <p:sp>
-          <p:nvSpPr>
-            <p:cNvPr id="4" name="文本框 3">
-              <a:extLst>
-                <a:ext uri="{FF2B5EF4-FFF2-40B4-BE49-F238E27FC236}">
-                  <a16:creationId xmlns="" xmlns:a16="http://schemas.microsoft.com/office/drawing/2014/main" id="{F069F7C5-7C6B-4416-BA43-7E9FF2B95F70}"/>
-                </a:ext>
-              </a:extLst>
-            </p:cNvPr>
-            <p:cNvSpPr txBox="1"/>
-            <p:nvPr/>
-          </p:nvSpPr>
-          <p:spPr>
-            <a:xfrm>
-              <a:off x="564944" y="1991896"/>
-              <a:ext cx="4552882" cy="1468392"/>
-            </a:xfrm>
-            <a:prstGeom prst="rect">
-              <a:avLst/>
-            </a:prstGeom>
-            <a:noFill/>
-          </p:spPr>
-          <p:txBody>
-            <a:bodyPr wrap="square" rtlCol="0">
-              <a:spAutoFit/>
-            </a:bodyPr>
-            <a:lstStyle/>
-            <a:p>
-              <a:r>
-                <a:rPr lang="en-US" altLang="zh-TW" sz="4000" spc="400" dirty="0" smtClean="0">
-                  <a:cs typeface="+mn-ea"/>
-                  <a:sym typeface="+mn-lt"/>
-                </a:rPr>
-                <a:t>	</a:t>
-              </a:r>
-              <a:r>
-                <a:rPr lang="zh-TW" altLang="en-US" sz="4000" spc="400" dirty="0">
-                  <a:cs typeface="+mn-ea"/>
-                  <a:sym typeface="+mn-lt"/>
-                </a:rPr>
-                <a:t>新增</a:t>
-              </a:r>
-              <a:r>
-                <a:rPr lang="en-US" altLang="zh-TW" sz="4000" spc="400" dirty="0">
-                  <a:cs typeface="+mn-ea"/>
-                  <a:sym typeface="+mn-lt"/>
-                </a:rPr>
-                <a:t>co2</a:t>
-              </a:r>
-              <a:r>
-                <a:rPr lang="zh-TW" altLang="en-US" sz="4000" spc="400" dirty="0">
-                  <a:cs typeface="+mn-ea"/>
-                  <a:sym typeface="+mn-lt"/>
-                </a:rPr>
-                <a:t>增產率</a:t>
-              </a:r>
-              <a:endParaRPr lang="en-US" altLang="zh-TW" sz="4000" spc="400" dirty="0">
-                <a:cs typeface="+mn-ea"/>
-                <a:sym typeface="+mn-lt"/>
-              </a:endParaRPr>
-            </a:p>
-            <a:p>
-              <a:endParaRPr lang="en-US" altLang="zh-TW" sz="4000" spc="400" dirty="0">
-                <a:cs typeface="+mn-ea"/>
-                <a:sym typeface="+mn-lt"/>
-              </a:endParaRPr>
-            </a:p>
-          </p:txBody>
-        </p:sp>
-        <p:sp>
-          <p:nvSpPr>
-            <p:cNvPr id="5" name="文本框 4">
-              <a:extLst>
-                <a:ext uri="{FF2B5EF4-FFF2-40B4-BE49-F238E27FC236}">
-                  <a16:creationId xmlns="" xmlns:a16="http://schemas.microsoft.com/office/drawing/2014/main" id="{E7404F6D-3A40-4203-8F0A-6169C74FB4CA}"/>
-                </a:ext>
-              </a:extLst>
-            </p:cNvPr>
-            <p:cNvSpPr txBox="1"/>
-            <p:nvPr/>
-          </p:nvSpPr>
-          <p:spPr>
-            <a:xfrm>
-              <a:off x="793749" y="2699782"/>
-              <a:ext cx="2832050" cy="375635"/>
-            </a:xfrm>
-            <a:prstGeom prst="rect">
-              <a:avLst/>
-            </a:prstGeom>
-            <a:noFill/>
-          </p:spPr>
-          <p:txBody>
-            <a:bodyPr wrap="square">
-              <a:spAutoFit/>
-            </a:bodyPr>
-            <a:lstStyle/>
-            <a:p>
-              <a:pPr algn="ctr"/>
-              <a:r>
-                <a:rPr lang="en-US" altLang="zh-TW" sz="1600" dirty="0">
-                  <a:cs typeface="+mn-ea"/>
-                  <a:sym typeface="+mn-lt"/>
-                </a:rPr>
-                <a:t>Project </a:t>
-              </a:r>
-              <a:r>
-                <a:rPr lang="en-US" altLang="zh-TW" sz="1600" dirty="0" smtClean="0">
-                  <a:cs typeface="+mn-ea"/>
-                  <a:sym typeface="+mn-lt"/>
-                </a:rPr>
-                <a:t>planning</a:t>
-              </a:r>
-              <a:endParaRPr lang="zh-CN" altLang="en-US" sz="1600" dirty="0">
-                <a:cs typeface="+mn-ea"/>
-                <a:sym typeface="+mn-lt"/>
-              </a:endParaRPr>
-            </a:p>
-          </p:txBody>
-        </p:sp>
-      </p:grpSp>
-      <p:pic>
-        <p:nvPicPr>
-          <p:cNvPr id="4098" name="Picture 2"/>
-          <p:cNvPicPr>
-            <a:picLocks noChangeAspect="1" noChangeArrowheads="1"/>
-          </p:cNvPicPr>
-          <p:nvPr/>
-        </p:nvPicPr>
-        <p:blipFill>
-          <a:blip r:embed="rId3">
-            <a:extLst>
-              <a:ext uri="{28A0092B-C50C-407E-A947-70E740481C1C}">
-                <a14:useLocalDpi xmlns:a14="http://schemas.microsoft.com/office/drawing/2010/main" val="0"/>
-              </a:ext>
-            </a:extLst>
-          </a:blip>
-          <a:srcRect/>
-          <a:stretch>
-            <a:fillRect/>
-          </a:stretch>
-        </p:blipFill>
-        <p:spPr bwMode="auto">
-          <a:xfrm>
-            <a:off x="357647" y="2038234"/>
-            <a:ext cx="11304301" cy="3681079"/>
-          </a:xfrm>
-          <a:prstGeom prst="rect">
-            <a:avLst/>
-          </a:prstGeom>
-          <a:noFill/>
-          <a:ln>
-            <a:noFill/>
-          </a:ln>
-          <a:extLst>
-            <a:ext uri="{909E8E84-426E-40DD-AFC4-6F175D3DCCD1}">
-              <a14:hiddenFill xmlns:a14="http://schemas.microsoft.com/office/drawing/2010/main">
-                <a:solidFill>
-                  <a:schemeClr val="accent1"/>
-                </a:solidFill>
-              </a14:hiddenFill>
-            </a:ext>
-            <a:ext uri="{91240B29-F687-4F45-9708-019B960494DF}">
-              <a14:hiddenLine xmlns:a14="http://schemas.microsoft.com/office/drawing/2010/main" w="9525">
-                <a:solidFill>
-                  <a:schemeClr val="tx1"/>
-                </a:solidFill>
-                <a:miter lim="800000"/>
-                <a:headEnd/>
-                <a:tailEnd/>
-              </a14:hiddenLine>
-            </a:ext>
-          </a:extLst>
-        </p:spPr>
-      </p:pic>
-      <p:sp>
-        <p:nvSpPr>
-          <p:cNvPr id="6" name="矩形 5"/>
-          <p:cNvSpPr/>
-          <p:nvPr/>
-        </p:nvSpPr>
-        <p:spPr>
-          <a:xfrm>
-            <a:off x="3576350" y="3878773"/>
-            <a:ext cx="3247144" cy="563831"/>
-          </a:xfrm>
-          <a:prstGeom prst="rect">
-            <a:avLst/>
-          </a:prstGeom>
-          <a:noFill/>
-          <a:ln w="38100">
-            <a:solidFill>
-              <a:srgbClr val="FF0000"/>
-            </a:solidFill>
-          </a:ln>
-        </p:spPr>
-        <p:style>
-          <a:lnRef idx="2">
-            <a:schemeClr val="accent1">
-              <a:shade val="50000"/>
-            </a:schemeClr>
-          </a:lnRef>
-          <a:fillRef idx="1">
-            <a:schemeClr val="accent1"/>
-          </a:fillRef>
-          <a:effectRef idx="0">
-            <a:schemeClr val="accent1"/>
-          </a:effectRef>
-          <a:fontRef idx="minor">
-            <a:schemeClr val="lt1"/>
-          </a:fontRef>
-        </p:style>
-        <p:txBody>
-          <a:bodyPr rtlCol="0" anchor="ctr"/>
-          <a:lstStyle/>
-          <a:p>
-            <a:pPr algn="ctr"/>
-            <a:endParaRPr lang="zh-TW" altLang="en-US"/>
-          </a:p>
-        </p:txBody>
-      </p:sp>
-      <p:sp>
-        <p:nvSpPr>
-          <p:cNvPr id="9" name="矩形 8"/>
-          <p:cNvSpPr/>
-          <p:nvPr/>
-        </p:nvSpPr>
-        <p:spPr>
-          <a:xfrm>
-            <a:off x="3183147" y="5538158"/>
-            <a:ext cx="6512943" cy="724619"/>
-          </a:xfrm>
-          <a:prstGeom prst="rect">
-            <a:avLst/>
-          </a:prstGeom>
-        </p:spPr>
-        <p:style>
-          <a:lnRef idx="2">
-            <a:schemeClr val="accent1">
-              <a:shade val="50000"/>
-            </a:schemeClr>
-          </a:lnRef>
-          <a:fillRef idx="1">
-            <a:schemeClr val="accent1"/>
-          </a:fillRef>
-          <a:effectRef idx="0">
-            <a:schemeClr val="accent1"/>
-          </a:effectRef>
-          <a:fontRef idx="minor">
-            <a:schemeClr val="lt1"/>
-          </a:fontRef>
-        </p:style>
-        <p:txBody>
-          <a:bodyPr rtlCol="0" anchor="ctr"/>
-          <a:lstStyle/>
-          <a:p>
-            <a:pPr algn="ctr"/>
-            <a:r>
-              <a:rPr lang="zh-TW" altLang="en-US" dirty="0" smtClean="0"/>
-              <a:t>選擇表單後，連棟指數與標準單重標投不會更改</a:t>
-            </a:r>
-            <a:r>
-              <a:rPr lang="en-US" altLang="zh-TW" dirty="0" smtClean="0"/>
-              <a:t>(</a:t>
-            </a:r>
-            <a:r>
-              <a:rPr lang="zh-TW" altLang="en-US" dirty="0" smtClean="0"/>
-              <a:t>已解決</a:t>
-            </a:r>
-            <a:r>
-              <a:rPr lang="en-US" altLang="zh-TW" dirty="0" smtClean="0"/>
-              <a:t>)</a:t>
-            </a:r>
-            <a:endParaRPr lang="zh-TW" altLang="en-US" dirty="0"/>
-          </a:p>
-        </p:txBody>
-      </p:sp>
-    </p:spTree>
-    <p:extLst>
-      <p:ext uri="{BB962C8B-B14F-4D97-AF65-F5344CB8AC3E}">
-        <p14:creationId xmlns:p14="http://schemas.microsoft.com/office/powerpoint/2010/main" val="2033200006"/>
-      </p:ext>
-    </p:extLst>
-  </p:cSld>
-  <p:clrMapOvr>
-    <a:masterClrMapping/>
-  </p:clrMapOvr>
-  <mc:AlternateContent xmlns:mc="http://schemas.openxmlformats.org/markup-compatibility/2006" xmlns:p14="http://schemas.microsoft.com/office/powerpoint/2010/main">
-    <mc:Choice Requires="p14">
-      <p:transition spd="slow" p14:dur="1500">
-        <p:random/>
-      </p:transition>
-    </mc:Choice>
-    <mc:Fallback xmlns="">
-      <p:transition spd="slow">
-        <p:random/>
-      </p:transition>
-    </mc:Fallback>
-  </mc:AlternateContent>
-  <p:timing>
-    <p:tnLst>
-      <p:par>
-        <p:cTn id="1" dur="indefinite" restart="never" nodeType="tmRoot">
-          <p:childTnLst>
-            <p:seq concurrent="1" nextAc="seek">
-              <p:cTn id="2" dur="indefinite" nodeType="mainSeq">
-                <p:childTnLst>
-                  <p:par>
-                    <p:cTn id="3" fill="hold">
-                      <p:stCondLst>
-                        <p:cond delay="indefinite"/>
-                      </p:stCondLst>
-                      <p:childTnLst>
-                        <p:par>
-                          <p:cTn id="4" fill="hold">
-                            <p:stCondLst>
-                              <p:cond delay="0"/>
-                            </p:stCondLst>
-                            <p:childTnLst>
-                              <p:par>
-                                <p:cTn id="5" presetID="16" presetClass="entr" presetSubtype="37" fill="hold" grpId="0" nodeType="clickEffect">
-                                  <p:stCondLst>
-                                    <p:cond delay="0"/>
-                                  </p:stCondLst>
-                                  <p:childTnLst>
-                                    <p:set>
-                                      <p:cBhvr>
-                                        <p:cTn id="6" dur="1" fill="hold">
-                                          <p:stCondLst>
-                                            <p:cond delay="0"/>
-                                          </p:stCondLst>
-                                        </p:cTn>
-                                        <p:tgtEl>
-                                          <p:spTgt spid="2"/>
-                                        </p:tgtEl>
-                                        <p:attrNameLst>
-                                          <p:attrName>style.visibility</p:attrName>
-                                        </p:attrNameLst>
-                                      </p:cBhvr>
-                                      <p:to>
-                                        <p:strVal val="visible"/>
-                                      </p:to>
-                                    </p:set>
-                                    <p:animEffect transition="in" filter="barn(outVertical)">
-                                      <p:cBhvr>
-                                        <p:cTn id="7" dur="500"/>
-                                        <p:tgtEl>
-                                          <p:spTgt spid="2"/>
-                                        </p:tgtEl>
-                                      </p:cBhvr>
-                                    </p:animEffect>
-                                  </p:childTnLst>
-                                </p:cTn>
-                              </p:par>
-                            </p:childTnLst>
-                          </p:cTn>
-                        </p:par>
-                      </p:childTnLst>
-                    </p:cTn>
-                  </p:par>
-                  <p:par>
-                    <p:cTn id="8" fill="hold">
-                      <p:stCondLst>
-                        <p:cond delay="indefinite"/>
-                      </p:stCondLst>
-                      <p:childTnLst>
-                        <p:par>
-                          <p:cTn id="9" fill="hold">
-                            <p:stCondLst>
-                              <p:cond delay="0"/>
-                            </p:stCondLst>
-                            <p:childTnLst>
-                              <p:par>
-                                <p:cTn id="10" presetID="22" presetClass="entr" presetSubtype="8" fill="hold" nodeType="clickEffect">
-                                  <p:stCondLst>
-                                    <p:cond delay="0"/>
-                                  </p:stCondLst>
-                                  <p:childTnLst>
-                                    <p:set>
-                                      <p:cBhvr>
-                                        <p:cTn id="11" dur="1" fill="hold">
-                                          <p:stCondLst>
-                                            <p:cond delay="0"/>
-                                          </p:stCondLst>
-                                        </p:cTn>
-                                        <p:tgtEl>
-                                          <p:spTgt spid="3"/>
-                                        </p:tgtEl>
-                                        <p:attrNameLst>
-                                          <p:attrName>style.visibility</p:attrName>
-                                        </p:attrNameLst>
-                                      </p:cBhvr>
-                                      <p:to>
-                                        <p:strVal val="visible"/>
-                                      </p:to>
-                                    </p:set>
-                                    <p:animEffect transition="in" filter="wipe(left)">
-                                      <p:cBhvr>
-                                        <p:cTn id="12" dur="500"/>
-                                        <p:tgtEl>
-                                          <p:spTgt spid="3"/>
-                                        </p:tgtEl>
-                                      </p:cBhvr>
-                                    </p:animEffect>
-                                  </p:childTnLst>
-                                </p:cTn>
-                              </p:par>
-                            </p:childTnLst>
-                          </p:cTn>
-                        </p:par>
-                      </p:childTnLst>
-                    </p:cTn>
-                  </p:par>
-                </p:childTnLst>
-              </p:cTn>
-              <p:prevCondLst>
-                <p:cond evt="onPrev" delay="0">
-                  <p:tgtEl>
-                    <p:sldTgt/>
-                  </p:tgtEl>
-                </p:cond>
-              </p:prevCondLst>
-              <p:nextCondLst>
-                <p:cond evt="onNext" delay="0">
-                  <p:tgtEl>
-                    <p:sldTgt/>
-                  </p:tgtEl>
-                </p:cond>
-              </p:nextCondLst>
-            </p:seq>
-          </p:childTnLst>
-        </p:cTn>
-      </p:par>
-    </p:tnLst>
-    <p:bldLst>
-      <p:bldP spid="2" grpId="0" animBg="1"/>
-    </p:bldLst>
-  </p:timing>
-</p:sld>
-</file>
-
-<file path=ppt/slides/slide8.xml><?xml version="1.0" encoding="utf-8"?>
-<p:sld xmlns:a="http://schemas.openxmlformats.org/drawingml/2006/main" xmlns:r="http://schemas.openxmlformats.org/officeDocument/2006/relationships" xmlns:p="http://schemas.openxmlformats.org/presentationml/2006/main">
-  <p:cSld>
-    <p:spTree>
-      <p:nvGrpSpPr>
-        <p:cNvPr id="1" name=""/>
-        <p:cNvGrpSpPr/>
-        <p:nvPr/>
-      </p:nvGrpSpPr>
-      <p:grpSpPr>
-        <a:xfrm>
-          <a:off x="0" y="0"/>
-          <a:ext cx="0" cy="0"/>
-          <a:chOff x="0" y="0"/>
-          <a:chExt cx="0" cy="0"/>
-        </a:xfrm>
-      </p:grpSpPr>
-      <p:sp>
-        <p:nvSpPr>
           <p:cNvPr id="18" name="矩形: 圆角 17">
             <a:extLst>
               <a:ext uri="{FF2B5EF4-FFF2-40B4-BE49-F238E27FC236}">
-                <a16:creationId xmlns="" xmlns:a16="http://schemas.microsoft.com/office/drawing/2014/main" id="{822EAB1A-0613-4B84-B43A-020769A84C2F}"/>
+                <a16:creationId xmlns:a16="http://schemas.microsoft.com/office/drawing/2014/main" xmlns="" id="{822EAB1A-0613-4B84-B43A-020769A84C2F}"/>
               </a:ext>
             </a:extLst>
           </p:cNvPr>
@@ -9395,7 +6828,7 @@
           <p:cNvPr id="4" name="矩形: 圆角 3">
             <a:extLst>
               <a:ext uri="{FF2B5EF4-FFF2-40B4-BE49-F238E27FC236}">
-                <a16:creationId xmlns="" xmlns:a16="http://schemas.microsoft.com/office/drawing/2014/main" id="{CFAF4C25-9AB4-4329-B21C-0F7CB88F0784}"/>
+                <a16:creationId xmlns:a16="http://schemas.microsoft.com/office/drawing/2014/main" xmlns="" id="{CFAF4C25-9AB4-4329-B21C-0F7CB88F0784}"/>
               </a:ext>
             </a:extLst>
           </p:cNvPr>
@@ -9486,7 +6919,7 @@
           <p:cNvPr id="7" name="文本框 6">
             <a:extLst>
               <a:ext uri="{FF2B5EF4-FFF2-40B4-BE49-F238E27FC236}">
-                <a16:creationId xmlns="" xmlns:a16="http://schemas.microsoft.com/office/drawing/2014/main" id="{D2947702-0219-4F74-958A-0A5A704ECCC4}"/>
+                <a16:creationId xmlns:a16="http://schemas.microsoft.com/office/drawing/2014/main" xmlns="" id="{D2947702-0219-4F74-958A-0A5A704ECCC4}"/>
               </a:ext>
             </a:extLst>
           </p:cNvPr>
@@ -9563,7 +6996,7 @@
           <p:cNvPr id="8" name="椭圆 7">
             <a:extLst>
               <a:ext uri="{FF2B5EF4-FFF2-40B4-BE49-F238E27FC236}">
-                <a16:creationId xmlns="" xmlns:a16="http://schemas.microsoft.com/office/drawing/2014/main" id="{08B93554-9443-4291-83BC-91BEC5088783}"/>
+                <a16:creationId xmlns:a16="http://schemas.microsoft.com/office/drawing/2014/main" xmlns="" id="{08B93554-9443-4291-83BC-91BEC5088783}"/>
               </a:ext>
             </a:extLst>
           </p:cNvPr>
@@ -9650,7 +7083,7 @@
           <p:cNvPr id="9" name="椭圆 8">
             <a:extLst>
               <a:ext uri="{FF2B5EF4-FFF2-40B4-BE49-F238E27FC236}">
-                <a16:creationId xmlns="" xmlns:a16="http://schemas.microsoft.com/office/drawing/2014/main" id="{16338DEE-2916-4AC7-A537-1507B9F2A824}"/>
+                <a16:creationId xmlns:a16="http://schemas.microsoft.com/office/drawing/2014/main" xmlns="" id="{16338DEE-2916-4AC7-A537-1507B9F2A824}"/>
               </a:ext>
             </a:extLst>
           </p:cNvPr>
@@ -9751,7 +7184,7 @@
         <p:random/>
       </p:transition>
     </mc:Choice>
-    <mc:Fallback xmlns:a16="http://schemas.microsoft.com/office/drawing/2014/main" xmlns="">
+    <mc:Fallback xmlns="" xmlns:a16="http://schemas.microsoft.com/office/drawing/2014/main">
       <p:transition spd="slow" advTm="3880">
         <p:random/>
       </p:transition>
@@ -10105,7 +7538,7 @@
   <a:extraClrSchemeLst/>
   <a:extLst>
     <a:ext uri="{05A4C25C-085E-4340-85A3-A5531E510DB2}">
-      <thm15:themeFamily xmlns="" xmlns:thm15="http://schemas.microsoft.com/office/thememl/2012/main" name="Office Theme" id="{62F939B6-93AF-4DB8-9C6B-D6C7DFDC589F}" vid="{4A3C46E8-61CC-4603-A589-7422A47A8E4A}"/>
+      <thm15:themeFamily xmlns:thm15="http://schemas.microsoft.com/office/thememl/2012/main" xmlns="" name="Office Theme" id="{62F939B6-93AF-4DB8-9C6B-D6C7DFDC589F}" vid="{4A3C46E8-61CC-4603-A589-7422A47A8E4A}"/>
     </a:ext>
   </a:extLst>
 </a:theme>
@@ -10651,7 +8084,7 @@
   <a:extraClrSchemeLst/>
   <a:extLst>
     <a:ext uri="{05A4C25C-085E-4340-85A3-A5531E510DB2}">
-      <thm15:themeFamily xmlns="" xmlns:thm15="http://schemas.microsoft.com/office/thememl/2012/main" name="Office Theme" id="{62F939B6-93AF-4DB8-9C6B-D6C7DFDC589F}" vid="{4A3C46E8-61CC-4603-A589-7422A47A8E4A}"/>
+      <thm15:themeFamily xmlns:thm15="http://schemas.microsoft.com/office/thememl/2012/main" xmlns="" name="Office Theme" id="{62F939B6-93AF-4DB8-9C6B-D6C7DFDC589F}" vid="{4A3C46E8-61CC-4603-A589-7422A47A8E4A}"/>
     </a:ext>
   </a:extLst>
 </a:theme>
